--- a/src/main/resources/templates/quotation.pptx
+++ b/src/main/resources/templates/quotation.pptx
@@ -3,13 +3,12 @@
 <p:presentation xmlns:a="http://schemas.openxmlformats.org/drawingml/2006/main" xmlns:p="http://schemas.openxmlformats.org/presentationml/2006/main" xmlns:r="http://schemas.openxmlformats.org/officeDocument/2006/relationships" xmlns:p14="http://schemas.microsoft.com/office/powerpoint/2010/main" xmlns:p15="http://schemas.microsoft.com/office/powerpoint/2012/main" xmlns:mc="http://schemas.openxmlformats.org/markup-compatibility/2006">
   <p:sldMasterIdLst>
     <p:sldMasterId id="2147483648" r:id="rId2"/>
-    <p:sldMasterId id="2147483661" r:id="rId3"/>
   </p:sldMasterIdLst>
   <p:notesMasterIdLst>
-    <p:notesMasterId r:id="rId4"/>
+    <p:notesMasterId r:id="rId3"/>
   </p:notesMasterIdLst>
   <p:sldIdLst>
-    <p:sldId id="256" r:id="rId5"/>
+    <p:sldId id="256" r:id="rId4"/>
   </p:sldIdLst>
   <p:sldSz cx="9144000" cy="6858000"/>
   <p:notesSz cx="6858000" cy="9144000"/>
@@ -35,7 +34,7 @@
       </p:grpSpPr>
       <p:sp>
         <p:nvSpPr>
-          <p:cNvPr id="84" name="PlaceHolder 1"/>
+          <p:cNvPr id="36" name="PlaceHolder 1"/>
           <p:cNvSpPr>
             <a:spLocks noGrp="1"/>
           </p:cNvSpPr>
@@ -85,7 +84,7 @@
       </p:sp>
       <p:sp>
         <p:nvSpPr>
-          <p:cNvPr id="85" name="PlaceHolder 2"/>
+          <p:cNvPr id="37" name="PlaceHolder 2"/>
           <p:cNvSpPr>
             <a:spLocks noGrp="1"/>
           </p:cNvSpPr>
@@ -135,7 +134,7 @@
       </p:sp>
       <p:sp>
         <p:nvSpPr>
-          <p:cNvPr id="86" name="PlaceHolder 3"/>
+          <p:cNvPr id="38" name="PlaceHolder 3"/>
           <p:cNvSpPr>
             <a:spLocks noGrp="1"/>
           </p:cNvSpPr>
@@ -186,7 +185,7 @@
       </p:sp>
       <p:sp>
         <p:nvSpPr>
-          <p:cNvPr id="87" name="PlaceHolder 4"/>
+          <p:cNvPr id="39" name="PlaceHolder 4"/>
           <p:cNvSpPr>
             <a:spLocks noGrp="1"/>
           </p:cNvSpPr>
@@ -236,7 +235,7 @@
       </p:sp>
       <p:sp>
         <p:nvSpPr>
-          <p:cNvPr id="88" name="PlaceHolder 5"/>
+          <p:cNvPr id="40" name="PlaceHolder 5"/>
           <p:cNvSpPr>
             <a:spLocks noGrp="1"/>
           </p:cNvSpPr>
@@ -257,7 +256,7 @@
           <a:bodyPr lIns="0" rIns="0" tIns="0" bIns="0" anchor="b"/>
           <a:p>
             <a:pPr algn="r"/>
-            <a:fld id="{321A9169-625C-45E5-9F03-96E203AFD810}" type="slidenum">
+            <a:fld id="{CCE7C489-67DD-4633-8BE7-90ADF86CEB94}" type="slidenum">
               <a:rPr b="0" lang="en-US" sz="1400" spc="-1" strike="noStrike">
                 <a:solidFill>
                   <a:srgbClr val="000000"/>
@@ -310,7 +309,7 @@
       </p:grpSpPr>
       <p:sp>
         <p:nvSpPr>
-          <p:cNvPr id="100" name="PlaceHolder 1"/>
+          <p:cNvPr id="53" name="PlaceHolder 1"/>
           <p:cNvSpPr>
             <a:spLocks noGrp="1"/>
           </p:cNvSpPr>
@@ -321,7 +320,7 @@
         <p:spPr>
           <a:xfrm>
             <a:off x="685800" y="4343400"/>
-            <a:ext cx="5485680" cy="4114080"/>
+            <a:ext cx="5484960" cy="4113360"/>
           </a:xfrm>
           <a:prstGeom prst="rect">
             <a:avLst/>
@@ -346,14 +345,14 @@
       </p:sp>
       <p:sp>
         <p:nvSpPr>
-          <p:cNvPr id="101" name="CustomShape 2"/>
+          <p:cNvPr id="54" name="CustomShape 2"/>
           <p:cNvSpPr/>
           <p:nvPr/>
         </p:nvSpPr>
         <p:spPr>
           <a:xfrm>
             <a:off x="3884760" y="8685360"/>
-            <a:ext cx="2971080" cy="456480"/>
+            <a:ext cx="2970360" cy="455760"/>
           </a:xfrm>
           <a:prstGeom prst="rect">
             <a:avLst/>
@@ -377,7 +376,7 @@
                 <a:spcPct val="100000"/>
               </a:lnSpc>
             </a:pPr>
-            <a:fld id="{56628C26-F315-4161-B8B9-64AE59EBF650}" type="slidenum">
+            <a:fld id="{8D2AE67C-116D-493D-BA3A-A03237871BCE}" type="slidenum">
               <a:rPr b="0" lang="en-US" sz="1200" spc="-1" strike="noStrike">
                 <a:solidFill>
                   <a:srgbClr val="000000"/>
@@ -462,8 +461,8 @@
         </p:nvSpPr>
         <p:spPr>
           <a:xfrm>
-            <a:off x="685800" y="304920"/>
-            <a:ext cx="7619400" cy="837360"/>
+            <a:off x="457200" y="273600"/>
+            <a:ext cx="8229240" cy="1144800"/>
           </a:xfrm>
           <a:prstGeom prst="rect">
             <a:avLst/>
@@ -593,8 +592,8 @@
         </p:nvSpPr>
         <p:spPr>
           <a:xfrm>
-            <a:off x="685800" y="304920"/>
-            <a:ext cx="7619400" cy="837360"/>
+            <a:off x="457200" y="273600"/>
+            <a:ext cx="8229240" cy="1144800"/>
           </a:xfrm>
           <a:prstGeom prst="rect">
             <a:avLst/>
@@ -796,8 +795,8 @@
         </p:nvSpPr>
         <p:spPr>
           <a:xfrm>
-            <a:off x="685800" y="304920"/>
-            <a:ext cx="7619400" cy="837360"/>
+            <a:off x="457200" y="273600"/>
+            <a:ext cx="8229240" cy="1144800"/>
           </a:xfrm>
           <a:prstGeom prst="rect">
             <a:avLst/>
@@ -939,635 +938,6 @@
           </a:ln>
         </p:spPr>
       </p:pic>
-    </p:spTree>
-  </p:cSld>
-</p:sldLayout>
-</file>
-
-<file path=ppt/slideLayouts/slideLayout13.xml><?xml version="1.0" encoding="utf-8"?>
-<p:sldLayout xmlns:a="http://schemas.openxmlformats.org/drawingml/2006/main" xmlns:p="http://schemas.openxmlformats.org/presentationml/2006/main" xmlns:r="http://schemas.openxmlformats.org/officeDocument/2006/relationships" xmlns:p14="http://schemas.microsoft.com/office/powerpoint/2010/main" xmlns:p15="http://schemas.microsoft.com/office/powerpoint/2012/main" xmlns:mc="http://schemas.openxmlformats.org/markup-compatibility/2006" type="blank" preserve="1">
-  <p:cSld name="Blank Slide">
-    <p:spTree>
-      <p:nvGrpSpPr>
-        <p:cNvPr id="1" name=""/>
-        <p:cNvGrpSpPr/>
-        <p:nvPr/>
-      </p:nvGrpSpPr>
-      <p:grpSpPr>
-        <a:xfrm>
-          <a:off x="0" y="0"/>
-          <a:ext cx="0" cy="0"/>
-          <a:chOff x="0" y="0"/>
-          <a:chExt cx="0" cy="0"/>
-        </a:xfrm>
-      </p:grpSpPr>
-    </p:spTree>
-  </p:cSld>
-</p:sldLayout>
-</file>
-
-<file path=ppt/slideLayouts/slideLayout14.xml><?xml version="1.0" encoding="utf-8"?>
-<p:sldLayout xmlns:a="http://schemas.openxmlformats.org/drawingml/2006/main" xmlns:p="http://schemas.openxmlformats.org/presentationml/2006/main" xmlns:r="http://schemas.openxmlformats.org/officeDocument/2006/relationships" xmlns:p14="http://schemas.microsoft.com/office/powerpoint/2010/main" xmlns:p15="http://schemas.microsoft.com/office/powerpoint/2012/main" xmlns:mc="http://schemas.openxmlformats.org/markup-compatibility/2006" type="tx" preserve="1">
-  <p:cSld name="Title Slide">
-    <p:spTree>
-      <p:nvGrpSpPr>
-        <p:cNvPr id="1" name=""/>
-        <p:cNvGrpSpPr/>
-        <p:nvPr/>
-      </p:nvGrpSpPr>
-      <p:grpSpPr>
-        <a:xfrm>
-          <a:off x="0" y="0"/>
-          <a:ext cx="0" cy="0"/>
-          <a:chOff x="0" y="0"/>
-          <a:chExt cx="0" cy="0"/>
-        </a:xfrm>
-      </p:grpSpPr>
-      <p:sp>
-        <p:nvSpPr>
-          <p:cNvPr id="50" name="PlaceHolder 1"/>
-          <p:cNvSpPr>
-            <a:spLocks noGrp="1"/>
-          </p:cNvSpPr>
-          <p:nvPr>
-            <p:ph type="title"/>
-          </p:nvPr>
-        </p:nvSpPr>
-        <p:spPr>
-          <a:xfrm>
-            <a:off x="685800" y="304920"/>
-            <a:ext cx="7619400" cy="837360"/>
-          </a:xfrm>
-          <a:prstGeom prst="rect">
-            <a:avLst/>
-          </a:prstGeom>
-        </p:spPr>
-        <p:txBody>
-          <a:bodyPr lIns="0" rIns="0" tIns="0" bIns="0" anchor="ctr"/>
-          <a:p>
-            <a:pPr algn="ctr"/>
-            <a:endParaRPr b="0" lang="en-US" sz="4400" spc="-1" strike="noStrike">
-              <a:solidFill>
-                <a:srgbClr val="000000"/>
-              </a:solidFill>
-              <a:uFill>
-                <a:solidFill>
-                  <a:srgbClr val="ffffff"/>
-                </a:solidFill>
-              </a:uFill>
-              <a:latin typeface="Arial"/>
-            </a:endParaRPr>
-          </a:p>
-        </p:txBody>
-      </p:sp>
-      <p:sp>
-        <p:nvSpPr>
-          <p:cNvPr id="51" name="PlaceHolder 2"/>
-          <p:cNvSpPr>
-            <a:spLocks noGrp="1"/>
-          </p:cNvSpPr>
-          <p:nvPr>
-            <p:ph type="subTitle"/>
-          </p:nvPr>
-        </p:nvSpPr>
-        <p:spPr>
-          <a:xfrm>
-            <a:off x="457200" y="1604520"/>
-            <a:ext cx="8229240" cy="3977280"/>
-          </a:xfrm>
-          <a:prstGeom prst="rect">
-            <a:avLst/>
-          </a:prstGeom>
-        </p:spPr>
-        <p:txBody>
-          <a:bodyPr lIns="0" rIns="0" tIns="0" bIns="0" anchor="ctr"/>
-          <a:p>
-            <a:pPr algn="ctr"/>
-            <a:endParaRPr b="0" lang="en-US" sz="3200" spc="-1" strike="noStrike">
-              <a:solidFill>
-                <a:srgbClr val="000000"/>
-              </a:solidFill>
-              <a:uFill>
-                <a:solidFill>
-                  <a:srgbClr val="ffffff"/>
-                </a:solidFill>
-              </a:uFill>
-              <a:latin typeface="Arial"/>
-            </a:endParaRPr>
-          </a:p>
-        </p:txBody>
-      </p:sp>
-    </p:spTree>
-  </p:cSld>
-</p:sldLayout>
-</file>
-
-<file path=ppt/slideLayouts/slideLayout15.xml><?xml version="1.0" encoding="utf-8"?>
-<p:sldLayout xmlns:a="http://schemas.openxmlformats.org/drawingml/2006/main" xmlns:p="http://schemas.openxmlformats.org/presentationml/2006/main" xmlns:r="http://schemas.openxmlformats.org/officeDocument/2006/relationships" xmlns:p14="http://schemas.microsoft.com/office/powerpoint/2010/main" xmlns:p15="http://schemas.microsoft.com/office/powerpoint/2012/main" xmlns:mc="http://schemas.openxmlformats.org/markup-compatibility/2006" type="obj" preserve="1">
-  <p:cSld name="Title, Content">
-    <p:spTree>
-      <p:nvGrpSpPr>
-        <p:cNvPr id="1" name=""/>
-        <p:cNvGrpSpPr/>
-        <p:nvPr/>
-      </p:nvGrpSpPr>
-      <p:grpSpPr>
-        <a:xfrm>
-          <a:off x="0" y="0"/>
-          <a:ext cx="0" cy="0"/>
-          <a:chOff x="0" y="0"/>
-          <a:chExt cx="0" cy="0"/>
-        </a:xfrm>
-      </p:grpSpPr>
-      <p:sp>
-        <p:nvSpPr>
-          <p:cNvPr id="52" name="PlaceHolder 1"/>
-          <p:cNvSpPr>
-            <a:spLocks noGrp="1"/>
-          </p:cNvSpPr>
-          <p:nvPr>
-            <p:ph type="title"/>
-          </p:nvPr>
-        </p:nvSpPr>
-        <p:spPr>
-          <a:xfrm>
-            <a:off x="685800" y="304920"/>
-            <a:ext cx="7619400" cy="837360"/>
-          </a:xfrm>
-          <a:prstGeom prst="rect">
-            <a:avLst/>
-          </a:prstGeom>
-        </p:spPr>
-        <p:txBody>
-          <a:bodyPr lIns="0" rIns="0" tIns="0" bIns="0" anchor="ctr"/>
-          <a:p>
-            <a:pPr algn="ctr"/>
-            <a:endParaRPr b="0" lang="en-US" sz="4400" spc="-1" strike="noStrike">
-              <a:solidFill>
-                <a:srgbClr val="000000"/>
-              </a:solidFill>
-              <a:uFill>
-                <a:solidFill>
-                  <a:srgbClr val="ffffff"/>
-                </a:solidFill>
-              </a:uFill>
-              <a:latin typeface="Arial"/>
-            </a:endParaRPr>
-          </a:p>
-        </p:txBody>
-      </p:sp>
-      <p:sp>
-        <p:nvSpPr>
-          <p:cNvPr id="53" name="PlaceHolder 2"/>
-          <p:cNvSpPr>
-            <a:spLocks noGrp="1"/>
-          </p:cNvSpPr>
-          <p:nvPr>
-            <p:ph type="body"/>
-          </p:nvPr>
-        </p:nvSpPr>
-        <p:spPr>
-          <a:xfrm>
-            <a:off x="457200" y="1604520"/>
-            <a:ext cx="8229240" cy="3977280"/>
-          </a:xfrm>
-          <a:prstGeom prst="rect">
-            <a:avLst/>
-          </a:prstGeom>
-        </p:spPr>
-        <p:txBody>
-          <a:bodyPr lIns="0" rIns="0" tIns="0" bIns="0"/>
-          <a:p>
-            <a:endParaRPr b="0" lang="en-US" sz="3200" spc="-1" strike="noStrike">
-              <a:solidFill>
-                <a:srgbClr val="000000"/>
-              </a:solidFill>
-              <a:uFill>
-                <a:solidFill>
-                  <a:srgbClr val="ffffff"/>
-                </a:solidFill>
-              </a:uFill>
-              <a:latin typeface="Arial"/>
-            </a:endParaRPr>
-          </a:p>
-        </p:txBody>
-      </p:sp>
-    </p:spTree>
-  </p:cSld>
-</p:sldLayout>
-</file>
-
-<file path=ppt/slideLayouts/slideLayout16.xml><?xml version="1.0" encoding="utf-8"?>
-<p:sldLayout xmlns:a="http://schemas.openxmlformats.org/drawingml/2006/main" xmlns:p="http://schemas.openxmlformats.org/presentationml/2006/main" xmlns:r="http://schemas.openxmlformats.org/officeDocument/2006/relationships" xmlns:p14="http://schemas.microsoft.com/office/powerpoint/2010/main" xmlns:p15="http://schemas.microsoft.com/office/powerpoint/2012/main" xmlns:mc="http://schemas.openxmlformats.org/markup-compatibility/2006" type="twoObj" preserve="1">
-  <p:cSld name="Title, 2 Content">
-    <p:spTree>
-      <p:nvGrpSpPr>
-        <p:cNvPr id="1" name=""/>
-        <p:cNvGrpSpPr/>
-        <p:nvPr/>
-      </p:nvGrpSpPr>
-      <p:grpSpPr>
-        <a:xfrm>
-          <a:off x="0" y="0"/>
-          <a:ext cx="0" cy="0"/>
-          <a:chOff x="0" y="0"/>
-          <a:chExt cx="0" cy="0"/>
-        </a:xfrm>
-      </p:grpSpPr>
-      <p:sp>
-        <p:nvSpPr>
-          <p:cNvPr id="54" name="PlaceHolder 1"/>
-          <p:cNvSpPr>
-            <a:spLocks noGrp="1"/>
-          </p:cNvSpPr>
-          <p:nvPr>
-            <p:ph type="title"/>
-          </p:nvPr>
-        </p:nvSpPr>
-        <p:spPr>
-          <a:xfrm>
-            <a:off x="685800" y="304920"/>
-            <a:ext cx="7619400" cy="837360"/>
-          </a:xfrm>
-          <a:prstGeom prst="rect">
-            <a:avLst/>
-          </a:prstGeom>
-        </p:spPr>
-        <p:txBody>
-          <a:bodyPr lIns="0" rIns="0" tIns="0" bIns="0" anchor="ctr"/>
-          <a:p>
-            <a:pPr algn="ctr"/>
-            <a:endParaRPr b="0" lang="en-US" sz="4400" spc="-1" strike="noStrike">
-              <a:solidFill>
-                <a:srgbClr val="000000"/>
-              </a:solidFill>
-              <a:uFill>
-                <a:solidFill>
-                  <a:srgbClr val="ffffff"/>
-                </a:solidFill>
-              </a:uFill>
-              <a:latin typeface="Arial"/>
-            </a:endParaRPr>
-          </a:p>
-        </p:txBody>
-      </p:sp>
-      <p:sp>
-        <p:nvSpPr>
-          <p:cNvPr id="55" name="PlaceHolder 2"/>
-          <p:cNvSpPr>
-            <a:spLocks noGrp="1"/>
-          </p:cNvSpPr>
-          <p:nvPr>
-            <p:ph type="body"/>
-          </p:nvPr>
-        </p:nvSpPr>
-        <p:spPr>
-          <a:xfrm>
-            <a:off x="457200" y="1604520"/>
-            <a:ext cx="4015800" cy="3977280"/>
-          </a:xfrm>
-          <a:prstGeom prst="rect">
-            <a:avLst/>
-          </a:prstGeom>
-        </p:spPr>
-        <p:txBody>
-          <a:bodyPr lIns="0" rIns="0" tIns="0" bIns="0"/>
-          <a:p>
-            <a:endParaRPr b="0" lang="en-US" sz="3200" spc="-1" strike="noStrike">
-              <a:solidFill>
-                <a:srgbClr val="000000"/>
-              </a:solidFill>
-              <a:uFill>
-                <a:solidFill>
-                  <a:srgbClr val="ffffff"/>
-                </a:solidFill>
-              </a:uFill>
-              <a:latin typeface="Arial"/>
-            </a:endParaRPr>
-          </a:p>
-        </p:txBody>
-      </p:sp>
-      <p:sp>
-        <p:nvSpPr>
-          <p:cNvPr id="56" name="PlaceHolder 3"/>
-          <p:cNvSpPr>
-            <a:spLocks noGrp="1"/>
-          </p:cNvSpPr>
-          <p:nvPr>
-            <p:ph type="body"/>
-          </p:nvPr>
-        </p:nvSpPr>
-        <p:spPr>
-          <a:xfrm>
-            <a:off x="4674240" y="1604520"/>
-            <a:ext cx="4015800" cy="3977280"/>
-          </a:xfrm>
-          <a:prstGeom prst="rect">
-            <a:avLst/>
-          </a:prstGeom>
-        </p:spPr>
-        <p:txBody>
-          <a:bodyPr lIns="0" rIns="0" tIns="0" bIns="0"/>
-          <a:p>
-            <a:endParaRPr b="0" lang="en-US" sz="3200" spc="-1" strike="noStrike">
-              <a:solidFill>
-                <a:srgbClr val="000000"/>
-              </a:solidFill>
-              <a:uFill>
-                <a:solidFill>
-                  <a:srgbClr val="ffffff"/>
-                </a:solidFill>
-              </a:uFill>
-              <a:latin typeface="Arial"/>
-            </a:endParaRPr>
-          </a:p>
-        </p:txBody>
-      </p:sp>
-    </p:spTree>
-  </p:cSld>
-</p:sldLayout>
-</file>
-
-<file path=ppt/slideLayouts/slideLayout17.xml><?xml version="1.0" encoding="utf-8"?>
-<p:sldLayout xmlns:a="http://schemas.openxmlformats.org/drawingml/2006/main" xmlns:p="http://schemas.openxmlformats.org/presentationml/2006/main" xmlns:r="http://schemas.openxmlformats.org/officeDocument/2006/relationships" xmlns:p14="http://schemas.microsoft.com/office/powerpoint/2010/main" xmlns:p15="http://schemas.microsoft.com/office/powerpoint/2012/main" xmlns:mc="http://schemas.openxmlformats.org/markup-compatibility/2006" type="titleOnly" preserve="1">
-  <p:cSld name="Title Only">
-    <p:spTree>
-      <p:nvGrpSpPr>
-        <p:cNvPr id="1" name=""/>
-        <p:cNvGrpSpPr/>
-        <p:nvPr/>
-      </p:nvGrpSpPr>
-      <p:grpSpPr>
-        <a:xfrm>
-          <a:off x="0" y="0"/>
-          <a:ext cx="0" cy="0"/>
-          <a:chOff x="0" y="0"/>
-          <a:chExt cx="0" cy="0"/>
-        </a:xfrm>
-      </p:grpSpPr>
-      <p:sp>
-        <p:nvSpPr>
-          <p:cNvPr id="57" name="PlaceHolder 1"/>
-          <p:cNvSpPr>
-            <a:spLocks noGrp="1"/>
-          </p:cNvSpPr>
-          <p:nvPr>
-            <p:ph type="title"/>
-          </p:nvPr>
-        </p:nvSpPr>
-        <p:spPr>
-          <a:xfrm>
-            <a:off x="685800" y="304920"/>
-            <a:ext cx="7619400" cy="837360"/>
-          </a:xfrm>
-          <a:prstGeom prst="rect">
-            <a:avLst/>
-          </a:prstGeom>
-        </p:spPr>
-        <p:txBody>
-          <a:bodyPr lIns="0" rIns="0" tIns="0" bIns="0" anchor="ctr"/>
-          <a:p>
-            <a:pPr algn="ctr"/>
-            <a:endParaRPr b="0" lang="en-US" sz="4400" spc="-1" strike="noStrike">
-              <a:solidFill>
-                <a:srgbClr val="000000"/>
-              </a:solidFill>
-              <a:uFill>
-                <a:solidFill>
-                  <a:srgbClr val="ffffff"/>
-                </a:solidFill>
-              </a:uFill>
-              <a:latin typeface="Arial"/>
-            </a:endParaRPr>
-          </a:p>
-        </p:txBody>
-      </p:sp>
-    </p:spTree>
-  </p:cSld>
-</p:sldLayout>
-</file>
-
-<file path=ppt/slideLayouts/slideLayout18.xml><?xml version="1.0" encoding="utf-8"?>
-<p:sldLayout xmlns:a="http://schemas.openxmlformats.org/drawingml/2006/main" xmlns:p="http://schemas.openxmlformats.org/presentationml/2006/main" xmlns:r="http://schemas.openxmlformats.org/officeDocument/2006/relationships" xmlns:p14="http://schemas.microsoft.com/office/powerpoint/2010/main" xmlns:p15="http://schemas.microsoft.com/office/powerpoint/2012/main" xmlns:mc="http://schemas.openxmlformats.org/markup-compatibility/2006" type="objOnly" preserve="1">
-  <p:cSld name="Centered Text">
-    <p:spTree>
-      <p:nvGrpSpPr>
-        <p:cNvPr id="1" name=""/>
-        <p:cNvGrpSpPr/>
-        <p:nvPr/>
-      </p:nvGrpSpPr>
-      <p:grpSpPr>
-        <a:xfrm>
-          <a:off x="0" y="0"/>
-          <a:ext cx="0" cy="0"/>
-          <a:chOff x="0" y="0"/>
-          <a:chExt cx="0" cy="0"/>
-        </a:xfrm>
-      </p:grpSpPr>
-      <p:sp>
-        <p:nvSpPr>
-          <p:cNvPr id="58" name="PlaceHolder 1"/>
-          <p:cNvSpPr>
-            <a:spLocks noGrp="1"/>
-          </p:cNvSpPr>
-          <p:nvPr>
-            <p:ph type="subTitle"/>
-          </p:nvPr>
-        </p:nvSpPr>
-        <p:spPr>
-          <a:xfrm>
-            <a:off x="685800" y="304920"/>
-            <a:ext cx="7619400" cy="3882960"/>
-          </a:xfrm>
-          <a:prstGeom prst="rect">
-            <a:avLst/>
-          </a:prstGeom>
-        </p:spPr>
-        <p:txBody>
-          <a:bodyPr lIns="0" rIns="0" tIns="0" bIns="0" anchor="ctr"/>
-          <a:p>
-            <a:pPr algn="ctr"/>
-            <a:endParaRPr b="0" lang="en-US" sz="3200" spc="-1" strike="noStrike">
-              <a:solidFill>
-                <a:srgbClr val="000000"/>
-              </a:solidFill>
-              <a:uFill>
-                <a:solidFill>
-                  <a:srgbClr val="ffffff"/>
-                </a:solidFill>
-              </a:uFill>
-              <a:latin typeface="Arial"/>
-            </a:endParaRPr>
-          </a:p>
-        </p:txBody>
-      </p:sp>
-    </p:spTree>
-  </p:cSld>
-</p:sldLayout>
-</file>
-
-<file path=ppt/slideLayouts/slideLayout19.xml><?xml version="1.0" encoding="utf-8"?>
-<p:sldLayout xmlns:a="http://schemas.openxmlformats.org/drawingml/2006/main" xmlns:p="http://schemas.openxmlformats.org/presentationml/2006/main" xmlns:r="http://schemas.openxmlformats.org/officeDocument/2006/relationships" xmlns:p14="http://schemas.microsoft.com/office/powerpoint/2010/main" xmlns:p15="http://schemas.microsoft.com/office/powerpoint/2012/main" xmlns:mc="http://schemas.openxmlformats.org/markup-compatibility/2006" type="twoObjAndObj" preserve="1">
-  <p:cSld name="Title, 2 Content and Content">
-    <p:spTree>
-      <p:nvGrpSpPr>
-        <p:cNvPr id="1" name=""/>
-        <p:cNvGrpSpPr/>
-        <p:nvPr/>
-      </p:nvGrpSpPr>
-      <p:grpSpPr>
-        <a:xfrm>
-          <a:off x="0" y="0"/>
-          <a:ext cx="0" cy="0"/>
-          <a:chOff x="0" y="0"/>
-          <a:chExt cx="0" cy="0"/>
-        </a:xfrm>
-      </p:grpSpPr>
-      <p:sp>
-        <p:nvSpPr>
-          <p:cNvPr id="59" name="PlaceHolder 1"/>
-          <p:cNvSpPr>
-            <a:spLocks noGrp="1"/>
-          </p:cNvSpPr>
-          <p:nvPr>
-            <p:ph type="title"/>
-          </p:nvPr>
-        </p:nvSpPr>
-        <p:spPr>
-          <a:xfrm>
-            <a:off x="685800" y="304920"/>
-            <a:ext cx="7619400" cy="837360"/>
-          </a:xfrm>
-          <a:prstGeom prst="rect">
-            <a:avLst/>
-          </a:prstGeom>
-        </p:spPr>
-        <p:txBody>
-          <a:bodyPr lIns="0" rIns="0" tIns="0" bIns="0" anchor="ctr"/>
-          <a:p>
-            <a:pPr algn="ctr"/>
-            <a:endParaRPr b="0" lang="en-US" sz="4400" spc="-1" strike="noStrike">
-              <a:solidFill>
-                <a:srgbClr val="000000"/>
-              </a:solidFill>
-              <a:uFill>
-                <a:solidFill>
-                  <a:srgbClr val="ffffff"/>
-                </a:solidFill>
-              </a:uFill>
-              <a:latin typeface="Arial"/>
-            </a:endParaRPr>
-          </a:p>
-        </p:txBody>
-      </p:sp>
-      <p:sp>
-        <p:nvSpPr>
-          <p:cNvPr id="60" name="PlaceHolder 2"/>
-          <p:cNvSpPr>
-            <a:spLocks noGrp="1"/>
-          </p:cNvSpPr>
-          <p:nvPr>
-            <p:ph type="body"/>
-          </p:nvPr>
-        </p:nvSpPr>
-        <p:spPr>
-          <a:xfrm>
-            <a:off x="457200" y="1604520"/>
-            <a:ext cx="4015800" cy="1896840"/>
-          </a:xfrm>
-          <a:prstGeom prst="rect">
-            <a:avLst/>
-          </a:prstGeom>
-        </p:spPr>
-        <p:txBody>
-          <a:bodyPr lIns="0" rIns="0" tIns="0" bIns="0"/>
-          <a:p>
-            <a:endParaRPr b="0" lang="en-US" sz="3200" spc="-1" strike="noStrike">
-              <a:solidFill>
-                <a:srgbClr val="000000"/>
-              </a:solidFill>
-              <a:uFill>
-                <a:solidFill>
-                  <a:srgbClr val="ffffff"/>
-                </a:solidFill>
-              </a:uFill>
-              <a:latin typeface="Arial"/>
-            </a:endParaRPr>
-          </a:p>
-        </p:txBody>
-      </p:sp>
-      <p:sp>
-        <p:nvSpPr>
-          <p:cNvPr id="61" name="PlaceHolder 3"/>
-          <p:cNvSpPr>
-            <a:spLocks noGrp="1"/>
-          </p:cNvSpPr>
-          <p:nvPr>
-            <p:ph type="body"/>
-          </p:nvPr>
-        </p:nvSpPr>
-        <p:spPr>
-          <a:xfrm>
-            <a:off x="457200" y="3682080"/>
-            <a:ext cx="4015800" cy="1896840"/>
-          </a:xfrm>
-          <a:prstGeom prst="rect">
-            <a:avLst/>
-          </a:prstGeom>
-        </p:spPr>
-        <p:txBody>
-          <a:bodyPr lIns="0" rIns="0" tIns="0" bIns="0"/>
-          <a:p>
-            <a:endParaRPr b="0" lang="en-US" sz="3200" spc="-1" strike="noStrike">
-              <a:solidFill>
-                <a:srgbClr val="000000"/>
-              </a:solidFill>
-              <a:uFill>
-                <a:solidFill>
-                  <a:srgbClr val="ffffff"/>
-                </a:solidFill>
-              </a:uFill>
-              <a:latin typeface="Arial"/>
-            </a:endParaRPr>
-          </a:p>
-        </p:txBody>
-      </p:sp>
-      <p:sp>
-        <p:nvSpPr>
-          <p:cNvPr id="62" name="PlaceHolder 4"/>
-          <p:cNvSpPr>
-            <a:spLocks noGrp="1"/>
-          </p:cNvSpPr>
-          <p:nvPr>
-            <p:ph type="body"/>
-          </p:nvPr>
-        </p:nvSpPr>
-        <p:spPr>
-          <a:xfrm>
-            <a:off x="4674240" y="1604520"/>
-            <a:ext cx="4015800" cy="3977280"/>
-          </a:xfrm>
-          <a:prstGeom prst="rect">
-            <a:avLst/>
-          </a:prstGeom>
-        </p:spPr>
-        <p:txBody>
-          <a:bodyPr lIns="0" rIns="0" tIns="0" bIns="0"/>
-          <a:p>
-            <a:endParaRPr b="0" lang="en-US" sz="3200" spc="-1" strike="noStrike">
-              <a:solidFill>
-                <a:srgbClr val="000000"/>
-              </a:solidFill>
-              <a:uFill>
-                <a:solidFill>
-                  <a:srgbClr val="ffffff"/>
-                </a:solidFill>
-              </a:uFill>
-              <a:latin typeface="Arial"/>
-            </a:endParaRPr>
-          </a:p>
-        </p:txBody>
-      </p:sp>
     </p:spTree>
   </p:cSld>
 </p:sldLayout>
@@ -1602,8 +972,8 @@
         </p:nvSpPr>
         <p:spPr>
           <a:xfrm>
-            <a:off x="685800" y="304920"/>
-            <a:ext cx="7619400" cy="837360"/>
+            <a:off x="457200" y="273600"/>
+            <a:ext cx="8229240" cy="1144800"/>
           </a:xfrm>
           <a:prstGeom prst="rect">
             <a:avLst/>
@@ -1664,851 +1034,6 @@
           </a:p>
         </p:txBody>
       </p:sp>
-    </p:spTree>
-  </p:cSld>
-</p:sldLayout>
-</file>
-
-<file path=ppt/slideLayouts/slideLayout20.xml><?xml version="1.0" encoding="utf-8"?>
-<p:sldLayout xmlns:a="http://schemas.openxmlformats.org/drawingml/2006/main" xmlns:p="http://schemas.openxmlformats.org/presentationml/2006/main" xmlns:r="http://schemas.openxmlformats.org/officeDocument/2006/relationships" xmlns:p14="http://schemas.microsoft.com/office/powerpoint/2010/main" xmlns:p15="http://schemas.microsoft.com/office/powerpoint/2012/main" xmlns:mc="http://schemas.openxmlformats.org/markup-compatibility/2006" type="objAndTwoObj" preserve="1">
-  <p:cSld name="Title Content and 2 Content">
-    <p:spTree>
-      <p:nvGrpSpPr>
-        <p:cNvPr id="1" name=""/>
-        <p:cNvGrpSpPr/>
-        <p:nvPr/>
-      </p:nvGrpSpPr>
-      <p:grpSpPr>
-        <a:xfrm>
-          <a:off x="0" y="0"/>
-          <a:ext cx="0" cy="0"/>
-          <a:chOff x="0" y="0"/>
-          <a:chExt cx="0" cy="0"/>
-        </a:xfrm>
-      </p:grpSpPr>
-      <p:sp>
-        <p:nvSpPr>
-          <p:cNvPr id="63" name="PlaceHolder 1"/>
-          <p:cNvSpPr>
-            <a:spLocks noGrp="1"/>
-          </p:cNvSpPr>
-          <p:nvPr>
-            <p:ph type="title"/>
-          </p:nvPr>
-        </p:nvSpPr>
-        <p:spPr>
-          <a:xfrm>
-            <a:off x="685800" y="304920"/>
-            <a:ext cx="7619400" cy="837360"/>
-          </a:xfrm>
-          <a:prstGeom prst="rect">
-            <a:avLst/>
-          </a:prstGeom>
-        </p:spPr>
-        <p:txBody>
-          <a:bodyPr lIns="0" rIns="0" tIns="0" bIns="0" anchor="ctr"/>
-          <a:p>
-            <a:pPr algn="ctr"/>
-            <a:endParaRPr b="0" lang="en-US" sz="4400" spc="-1" strike="noStrike">
-              <a:solidFill>
-                <a:srgbClr val="000000"/>
-              </a:solidFill>
-              <a:uFill>
-                <a:solidFill>
-                  <a:srgbClr val="ffffff"/>
-                </a:solidFill>
-              </a:uFill>
-              <a:latin typeface="Arial"/>
-            </a:endParaRPr>
-          </a:p>
-        </p:txBody>
-      </p:sp>
-      <p:sp>
-        <p:nvSpPr>
-          <p:cNvPr id="64" name="PlaceHolder 2"/>
-          <p:cNvSpPr>
-            <a:spLocks noGrp="1"/>
-          </p:cNvSpPr>
-          <p:nvPr>
-            <p:ph type="body"/>
-          </p:nvPr>
-        </p:nvSpPr>
-        <p:spPr>
-          <a:xfrm>
-            <a:off x="457200" y="1604520"/>
-            <a:ext cx="4015800" cy="3977280"/>
-          </a:xfrm>
-          <a:prstGeom prst="rect">
-            <a:avLst/>
-          </a:prstGeom>
-        </p:spPr>
-        <p:txBody>
-          <a:bodyPr lIns="0" rIns="0" tIns="0" bIns="0"/>
-          <a:p>
-            <a:endParaRPr b="0" lang="en-US" sz="3200" spc="-1" strike="noStrike">
-              <a:solidFill>
-                <a:srgbClr val="000000"/>
-              </a:solidFill>
-              <a:uFill>
-                <a:solidFill>
-                  <a:srgbClr val="ffffff"/>
-                </a:solidFill>
-              </a:uFill>
-              <a:latin typeface="Arial"/>
-            </a:endParaRPr>
-          </a:p>
-        </p:txBody>
-      </p:sp>
-      <p:sp>
-        <p:nvSpPr>
-          <p:cNvPr id="65" name="PlaceHolder 3"/>
-          <p:cNvSpPr>
-            <a:spLocks noGrp="1"/>
-          </p:cNvSpPr>
-          <p:nvPr>
-            <p:ph type="body"/>
-          </p:nvPr>
-        </p:nvSpPr>
-        <p:spPr>
-          <a:xfrm>
-            <a:off x="4674240" y="1604520"/>
-            <a:ext cx="4015800" cy="1896840"/>
-          </a:xfrm>
-          <a:prstGeom prst="rect">
-            <a:avLst/>
-          </a:prstGeom>
-        </p:spPr>
-        <p:txBody>
-          <a:bodyPr lIns="0" rIns="0" tIns="0" bIns="0"/>
-          <a:p>
-            <a:endParaRPr b="0" lang="en-US" sz="3200" spc="-1" strike="noStrike">
-              <a:solidFill>
-                <a:srgbClr val="000000"/>
-              </a:solidFill>
-              <a:uFill>
-                <a:solidFill>
-                  <a:srgbClr val="ffffff"/>
-                </a:solidFill>
-              </a:uFill>
-              <a:latin typeface="Arial"/>
-            </a:endParaRPr>
-          </a:p>
-        </p:txBody>
-      </p:sp>
-      <p:sp>
-        <p:nvSpPr>
-          <p:cNvPr id="66" name="PlaceHolder 4"/>
-          <p:cNvSpPr>
-            <a:spLocks noGrp="1"/>
-          </p:cNvSpPr>
-          <p:nvPr>
-            <p:ph type="body"/>
-          </p:nvPr>
-        </p:nvSpPr>
-        <p:spPr>
-          <a:xfrm>
-            <a:off x="4674240" y="3682080"/>
-            <a:ext cx="4015800" cy="1896840"/>
-          </a:xfrm>
-          <a:prstGeom prst="rect">
-            <a:avLst/>
-          </a:prstGeom>
-        </p:spPr>
-        <p:txBody>
-          <a:bodyPr lIns="0" rIns="0" tIns="0" bIns="0"/>
-          <a:p>
-            <a:endParaRPr b="0" lang="en-US" sz="3200" spc="-1" strike="noStrike">
-              <a:solidFill>
-                <a:srgbClr val="000000"/>
-              </a:solidFill>
-              <a:uFill>
-                <a:solidFill>
-                  <a:srgbClr val="ffffff"/>
-                </a:solidFill>
-              </a:uFill>
-              <a:latin typeface="Arial"/>
-            </a:endParaRPr>
-          </a:p>
-        </p:txBody>
-      </p:sp>
-    </p:spTree>
-  </p:cSld>
-</p:sldLayout>
-</file>
-
-<file path=ppt/slideLayouts/slideLayout21.xml><?xml version="1.0" encoding="utf-8"?>
-<p:sldLayout xmlns:a="http://schemas.openxmlformats.org/drawingml/2006/main" xmlns:p="http://schemas.openxmlformats.org/presentationml/2006/main" xmlns:r="http://schemas.openxmlformats.org/officeDocument/2006/relationships" xmlns:p14="http://schemas.microsoft.com/office/powerpoint/2010/main" xmlns:p15="http://schemas.microsoft.com/office/powerpoint/2012/main" xmlns:mc="http://schemas.openxmlformats.org/markup-compatibility/2006" type="twoObjOverTx" preserve="1">
-  <p:cSld name="Title, 2 Content over Content">
-    <p:spTree>
-      <p:nvGrpSpPr>
-        <p:cNvPr id="1" name=""/>
-        <p:cNvGrpSpPr/>
-        <p:nvPr/>
-      </p:nvGrpSpPr>
-      <p:grpSpPr>
-        <a:xfrm>
-          <a:off x="0" y="0"/>
-          <a:ext cx="0" cy="0"/>
-          <a:chOff x="0" y="0"/>
-          <a:chExt cx="0" cy="0"/>
-        </a:xfrm>
-      </p:grpSpPr>
-      <p:sp>
-        <p:nvSpPr>
-          <p:cNvPr id="67" name="PlaceHolder 1"/>
-          <p:cNvSpPr>
-            <a:spLocks noGrp="1"/>
-          </p:cNvSpPr>
-          <p:nvPr>
-            <p:ph type="title"/>
-          </p:nvPr>
-        </p:nvSpPr>
-        <p:spPr>
-          <a:xfrm>
-            <a:off x="685800" y="304920"/>
-            <a:ext cx="7619400" cy="837360"/>
-          </a:xfrm>
-          <a:prstGeom prst="rect">
-            <a:avLst/>
-          </a:prstGeom>
-        </p:spPr>
-        <p:txBody>
-          <a:bodyPr lIns="0" rIns="0" tIns="0" bIns="0" anchor="ctr"/>
-          <a:p>
-            <a:pPr algn="ctr"/>
-            <a:endParaRPr b="0" lang="en-US" sz="4400" spc="-1" strike="noStrike">
-              <a:solidFill>
-                <a:srgbClr val="000000"/>
-              </a:solidFill>
-              <a:uFill>
-                <a:solidFill>
-                  <a:srgbClr val="ffffff"/>
-                </a:solidFill>
-              </a:uFill>
-              <a:latin typeface="Arial"/>
-            </a:endParaRPr>
-          </a:p>
-        </p:txBody>
-      </p:sp>
-      <p:sp>
-        <p:nvSpPr>
-          <p:cNvPr id="68" name="PlaceHolder 2"/>
-          <p:cNvSpPr>
-            <a:spLocks noGrp="1"/>
-          </p:cNvSpPr>
-          <p:nvPr>
-            <p:ph type="body"/>
-          </p:nvPr>
-        </p:nvSpPr>
-        <p:spPr>
-          <a:xfrm>
-            <a:off x="457200" y="1604520"/>
-            <a:ext cx="4015800" cy="1896840"/>
-          </a:xfrm>
-          <a:prstGeom prst="rect">
-            <a:avLst/>
-          </a:prstGeom>
-        </p:spPr>
-        <p:txBody>
-          <a:bodyPr lIns="0" rIns="0" tIns="0" bIns="0"/>
-          <a:p>
-            <a:endParaRPr b="0" lang="en-US" sz="3200" spc="-1" strike="noStrike">
-              <a:solidFill>
-                <a:srgbClr val="000000"/>
-              </a:solidFill>
-              <a:uFill>
-                <a:solidFill>
-                  <a:srgbClr val="ffffff"/>
-                </a:solidFill>
-              </a:uFill>
-              <a:latin typeface="Arial"/>
-            </a:endParaRPr>
-          </a:p>
-        </p:txBody>
-      </p:sp>
-      <p:sp>
-        <p:nvSpPr>
-          <p:cNvPr id="69" name="PlaceHolder 3"/>
-          <p:cNvSpPr>
-            <a:spLocks noGrp="1"/>
-          </p:cNvSpPr>
-          <p:nvPr>
-            <p:ph type="body"/>
-          </p:nvPr>
-        </p:nvSpPr>
-        <p:spPr>
-          <a:xfrm>
-            <a:off x="4674240" y="1604520"/>
-            <a:ext cx="4015800" cy="1896840"/>
-          </a:xfrm>
-          <a:prstGeom prst="rect">
-            <a:avLst/>
-          </a:prstGeom>
-        </p:spPr>
-        <p:txBody>
-          <a:bodyPr lIns="0" rIns="0" tIns="0" bIns="0"/>
-          <a:p>
-            <a:endParaRPr b="0" lang="en-US" sz="3200" spc="-1" strike="noStrike">
-              <a:solidFill>
-                <a:srgbClr val="000000"/>
-              </a:solidFill>
-              <a:uFill>
-                <a:solidFill>
-                  <a:srgbClr val="ffffff"/>
-                </a:solidFill>
-              </a:uFill>
-              <a:latin typeface="Arial"/>
-            </a:endParaRPr>
-          </a:p>
-        </p:txBody>
-      </p:sp>
-      <p:sp>
-        <p:nvSpPr>
-          <p:cNvPr id="70" name="PlaceHolder 4"/>
-          <p:cNvSpPr>
-            <a:spLocks noGrp="1"/>
-          </p:cNvSpPr>
-          <p:nvPr>
-            <p:ph type="body"/>
-          </p:nvPr>
-        </p:nvSpPr>
-        <p:spPr>
-          <a:xfrm>
-            <a:off x="457200" y="3682080"/>
-            <a:ext cx="8229240" cy="1896840"/>
-          </a:xfrm>
-          <a:prstGeom prst="rect">
-            <a:avLst/>
-          </a:prstGeom>
-        </p:spPr>
-        <p:txBody>
-          <a:bodyPr lIns="0" rIns="0" tIns="0" bIns="0"/>
-          <a:p>
-            <a:endParaRPr b="0" lang="en-US" sz="3200" spc="-1" strike="noStrike">
-              <a:solidFill>
-                <a:srgbClr val="000000"/>
-              </a:solidFill>
-              <a:uFill>
-                <a:solidFill>
-                  <a:srgbClr val="ffffff"/>
-                </a:solidFill>
-              </a:uFill>
-              <a:latin typeface="Arial"/>
-            </a:endParaRPr>
-          </a:p>
-        </p:txBody>
-      </p:sp>
-    </p:spTree>
-  </p:cSld>
-</p:sldLayout>
-</file>
-
-<file path=ppt/slideLayouts/slideLayout22.xml><?xml version="1.0" encoding="utf-8"?>
-<p:sldLayout xmlns:a="http://schemas.openxmlformats.org/drawingml/2006/main" xmlns:p="http://schemas.openxmlformats.org/presentationml/2006/main" xmlns:r="http://schemas.openxmlformats.org/officeDocument/2006/relationships" xmlns:p14="http://schemas.microsoft.com/office/powerpoint/2010/main" xmlns:p15="http://schemas.microsoft.com/office/powerpoint/2012/main" xmlns:mc="http://schemas.openxmlformats.org/markup-compatibility/2006" type="objOverTx" preserve="1">
-  <p:cSld name="Title, Content over Content">
-    <p:spTree>
-      <p:nvGrpSpPr>
-        <p:cNvPr id="1" name=""/>
-        <p:cNvGrpSpPr/>
-        <p:nvPr/>
-      </p:nvGrpSpPr>
-      <p:grpSpPr>
-        <a:xfrm>
-          <a:off x="0" y="0"/>
-          <a:ext cx="0" cy="0"/>
-          <a:chOff x="0" y="0"/>
-          <a:chExt cx="0" cy="0"/>
-        </a:xfrm>
-      </p:grpSpPr>
-      <p:sp>
-        <p:nvSpPr>
-          <p:cNvPr id="71" name="PlaceHolder 1"/>
-          <p:cNvSpPr>
-            <a:spLocks noGrp="1"/>
-          </p:cNvSpPr>
-          <p:nvPr>
-            <p:ph type="title"/>
-          </p:nvPr>
-        </p:nvSpPr>
-        <p:spPr>
-          <a:xfrm>
-            <a:off x="685800" y="304920"/>
-            <a:ext cx="7619400" cy="837360"/>
-          </a:xfrm>
-          <a:prstGeom prst="rect">
-            <a:avLst/>
-          </a:prstGeom>
-        </p:spPr>
-        <p:txBody>
-          <a:bodyPr lIns="0" rIns="0" tIns="0" bIns="0" anchor="ctr"/>
-          <a:p>
-            <a:pPr algn="ctr"/>
-            <a:endParaRPr b="0" lang="en-US" sz="4400" spc="-1" strike="noStrike">
-              <a:solidFill>
-                <a:srgbClr val="000000"/>
-              </a:solidFill>
-              <a:uFill>
-                <a:solidFill>
-                  <a:srgbClr val="ffffff"/>
-                </a:solidFill>
-              </a:uFill>
-              <a:latin typeface="Arial"/>
-            </a:endParaRPr>
-          </a:p>
-        </p:txBody>
-      </p:sp>
-      <p:sp>
-        <p:nvSpPr>
-          <p:cNvPr id="72" name="PlaceHolder 2"/>
-          <p:cNvSpPr>
-            <a:spLocks noGrp="1"/>
-          </p:cNvSpPr>
-          <p:nvPr>
-            <p:ph type="body"/>
-          </p:nvPr>
-        </p:nvSpPr>
-        <p:spPr>
-          <a:xfrm>
-            <a:off x="457200" y="1604520"/>
-            <a:ext cx="8229240" cy="1896840"/>
-          </a:xfrm>
-          <a:prstGeom prst="rect">
-            <a:avLst/>
-          </a:prstGeom>
-        </p:spPr>
-        <p:txBody>
-          <a:bodyPr lIns="0" rIns="0" tIns="0" bIns="0"/>
-          <a:p>
-            <a:endParaRPr b="0" lang="en-US" sz="3200" spc="-1" strike="noStrike">
-              <a:solidFill>
-                <a:srgbClr val="000000"/>
-              </a:solidFill>
-              <a:uFill>
-                <a:solidFill>
-                  <a:srgbClr val="ffffff"/>
-                </a:solidFill>
-              </a:uFill>
-              <a:latin typeface="Arial"/>
-            </a:endParaRPr>
-          </a:p>
-        </p:txBody>
-      </p:sp>
-      <p:sp>
-        <p:nvSpPr>
-          <p:cNvPr id="73" name="PlaceHolder 3"/>
-          <p:cNvSpPr>
-            <a:spLocks noGrp="1"/>
-          </p:cNvSpPr>
-          <p:nvPr>
-            <p:ph type="body"/>
-          </p:nvPr>
-        </p:nvSpPr>
-        <p:spPr>
-          <a:xfrm>
-            <a:off x="457200" y="3682080"/>
-            <a:ext cx="8229240" cy="1896840"/>
-          </a:xfrm>
-          <a:prstGeom prst="rect">
-            <a:avLst/>
-          </a:prstGeom>
-        </p:spPr>
-        <p:txBody>
-          <a:bodyPr lIns="0" rIns="0" tIns="0" bIns="0"/>
-          <a:p>
-            <a:endParaRPr b="0" lang="en-US" sz="3200" spc="-1" strike="noStrike">
-              <a:solidFill>
-                <a:srgbClr val="000000"/>
-              </a:solidFill>
-              <a:uFill>
-                <a:solidFill>
-                  <a:srgbClr val="ffffff"/>
-                </a:solidFill>
-              </a:uFill>
-              <a:latin typeface="Arial"/>
-            </a:endParaRPr>
-          </a:p>
-        </p:txBody>
-      </p:sp>
-    </p:spTree>
-  </p:cSld>
-</p:sldLayout>
-</file>
-
-<file path=ppt/slideLayouts/slideLayout23.xml><?xml version="1.0" encoding="utf-8"?>
-<p:sldLayout xmlns:a="http://schemas.openxmlformats.org/drawingml/2006/main" xmlns:p="http://schemas.openxmlformats.org/presentationml/2006/main" xmlns:r="http://schemas.openxmlformats.org/officeDocument/2006/relationships" xmlns:p14="http://schemas.microsoft.com/office/powerpoint/2010/main" xmlns:p15="http://schemas.microsoft.com/office/powerpoint/2012/main" xmlns:mc="http://schemas.openxmlformats.org/markup-compatibility/2006" type="fourObj" preserve="1">
-  <p:cSld name="Title, 4 Content">
-    <p:spTree>
-      <p:nvGrpSpPr>
-        <p:cNvPr id="1" name=""/>
-        <p:cNvGrpSpPr/>
-        <p:nvPr/>
-      </p:nvGrpSpPr>
-      <p:grpSpPr>
-        <a:xfrm>
-          <a:off x="0" y="0"/>
-          <a:ext cx="0" cy="0"/>
-          <a:chOff x="0" y="0"/>
-          <a:chExt cx="0" cy="0"/>
-        </a:xfrm>
-      </p:grpSpPr>
-      <p:sp>
-        <p:nvSpPr>
-          <p:cNvPr id="74" name="PlaceHolder 1"/>
-          <p:cNvSpPr>
-            <a:spLocks noGrp="1"/>
-          </p:cNvSpPr>
-          <p:nvPr>
-            <p:ph type="title"/>
-          </p:nvPr>
-        </p:nvSpPr>
-        <p:spPr>
-          <a:xfrm>
-            <a:off x="685800" y="304920"/>
-            <a:ext cx="7619400" cy="837360"/>
-          </a:xfrm>
-          <a:prstGeom prst="rect">
-            <a:avLst/>
-          </a:prstGeom>
-        </p:spPr>
-        <p:txBody>
-          <a:bodyPr lIns="0" rIns="0" tIns="0" bIns="0" anchor="ctr"/>
-          <a:p>
-            <a:pPr algn="ctr"/>
-            <a:endParaRPr b="0" lang="en-US" sz="4400" spc="-1" strike="noStrike">
-              <a:solidFill>
-                <a:srgbClr val="000000"/>
-              </a:solidFill>
-              <a:uFill>
-                <a:solidFill>
-                  <a:srgbClr val="ffffff"/>
-                </a:solidFill>
-              </a:uFill>
-              <a:latin typeface="Arial"/>
-            </a:endParaRPr>
-          </a:p>
-        </p:txBody>
-      </p:sp>
-      <p:sp>
-        <p:nvSpPr>
-          <p:cNvPr id="75" name="PlaceHolder 2"/>
-          <p:cNvSpPr>
-            <a:spLocks noGrp="1"/>
-          </p:cNvSpPr>
-          <p:nvPr>
-            <p:ph type="body"/>
-          </p:nvPr>
-        </p:nvSpPr>
-        <p:spPr>
-          <a:xfrm>
-            <a:off x="457200" y="1604520"/>
-            <a:ext cx="4015800" cy="1896840"/>
-          </a:xfrm>
-          <a:prstGeom prst="rect">
-            <a:avLst/>
-          </a:prstGeom>
-        </p:spPr>
-        <p:txBody>
-          <a:bodyPr lIns="0" rIns="0" tIns="0" bIns="0"/>
-          <a:p>
-            <a:endParaRPr b="0" lang="en-US" sz="3200" spc="-1" strike="noStrike">
-              <a:solidFill>
-                <a:srgbClr val="000000"/>
-              </a:solidFill>
-              <a:uFill>
-                <a:solidFill>
-                  <a:srgbClr val="ffffff"/>
-                </a:solidFill>
-              </a:uFill>
-              <a:latin typeface="Arial"/>
-            </a:endParaRPr>
-          </a:p>
-        </p:txBody>
-      </p:sp>
-      <p:sp>
-        <p:nvSpPr>
-          <p:cNvPr id="76" name="PlaceHolder 3"/>
-          <p:cNvSpPr>
-            <a:spLocks noGrp="1"/>
-          </p:cNvSpPr>
-          <p:nvPr>
-            <p:ph type="body"/>
-          </p:nvPr>
-        </p:nvSpPr>
-        <p:spPr>
-          <a:xfrm>
-            <a:off x="4674240" y="1604520"/>
-            <a:ext cx="4015800" cy="1896840"/>
-          </a:xfrm>
-          <a:prstGeom prst="rect">
-            <a:avLst/>
-          </a:prstGeom>
-        </p:spPr>
-        <p:txBody>
-          <a:bodyPr lIns="0" rIns="0" tIns="0" bIns="0"/>
-          <a:p>
-            <a:endParaRPr b="0" lang="en-US" sz="3200" spc="-1" strike="noStrike">
-              <a:solidFill>
-                <a:srgbClr val="000000"/>
-              </a:solidFill>
-              <a:uFill>
-                <a:solidFill>
-                  <a:srgbClr val="ffffff"/>
-                </a:solidFill>
-              </a:uFill>
-              <a:latin typeface="Arial"/>
-            </a:endParaRPr>
-          </a:p>
-        </p:txBody>
-      </p:sp>
-      <p:sp>
-        <p:nvSpPr>
-          <p:cNvPr id="77" name="PlaceHolder 4"/>
-          <p:cNvSpPr>
-            <a:spLocks noGrp="1"/>
-          </p:cNvSpPr>
-          <p:nvPr>
-            <p:ph type="body"/>
-          </p:nvPr>
-        </p:nvSpPr>
-        <p:spPr>
-          <a:xfrm>
-            <a:off x="4674240" y="3682080"/>
-            <a:ext cx="4015800" cy="1896840"/>
-          </a:xfrm>
-          <a:prstGeom prst="rect">
-            <a:avLst/>
-          </a:prstGeom>
-        </p:spPr>
-        <p:txBody>
-          <a:bodyPr lIns="0" rIns="0" tIns="0" bIns="0"/>
-          <a:p>
-            <a:endParaRPr b="0" lang="en-US" sz="3200" spc="-1" strike="noStrike">
-              <a:solidFill>
-                <a:srgbClr val="000000"/>
-              </a:solidFill>
-              <a:uFill>
-                <a:solidFill>
-                  <a:srgbClr val="ffffff"/>
-                </a:solidFill>
-              </a:uFill>
-              <a:latin typeface="Arial"/>
-            </a:endParaRPr>
-          </a:p>
-        </p:txBody>
-      </p:sp>
-      <p:sp>
-        <p:nvSpPr>
-          <p:cNvPr id="78" name="PlaceHolder 5"/>
-          <p:cNvSpPr>
-            <a:spLocks noGrp="1"/>
-          </p:cNvSpPr>
-          <p:nvPr>
-            <p:ph type="body"/>
-          </p:nvPr>
-        </p:nvSpPr>
-        <p:spPr>
-          <a:xfrm>
-            <a:off x="457200" y="3682080"/>
-            <a:ext cx="4015800" cy="1896840"/>
-          </a:xfrm>
-          <a:prstGeom prst="rect">
-            <a:avLst/>
-          </a:prstGeom>
-        </p:spPr>
-        <p:txBody>
-          <a:bodyPr lIns="0" rIns="0" tIns="0" bIns="0"/>
-          <a:p>
-            <a:endParaRPr b="0" lang="en-US" sz="3200" spc="-1" strike="noStrike">
-              <a:solidFill>
-                <a:srgbClr val="000000"/>
-              </a:solidFill>
-              <a:uFill>
-                <a:solidFill>
-                  <a:srgbClr val="ffffff"/>
-                </a:solidFill>
-              </a:uFill>
-              <a:latin typeface="Arial"/>
-            </a:endParaRPr>
-          </a:p>
-        </p:txBody>
-      </p:sp>
-    </p:spTree>
-  </p:cSld>
-</p:sldLayout>
-</file>
-
-<file path=ppt/slideLayouts/slideLayout24.xml><?xml version="1.0" encoding="utf-8"?>
-<p:sldLayout xmlns:a="http://schemas.openxmlformats.org/drawingml/2006/main" xmlns:p="http://schemas.openxmlformats.org/presentationml/2006/main" xmlns:r="http://schemas.openxmlformats.org/officeDocument/2006/relationships" xmlns:p14="http://schemas.microsoft.com/office/powerpoint/2010/main" xmlns:p15="http://schemas.microsoft.com/office/powerpoint/2012/main" xmlns:mc="http://schemas.openxmlformats.org/markup-compatibility/2006" type="blank" preserve="1">
-  <p:cSld name="Title, 6 Content">
-    <p:spTree>
-      <p:nvGrpSpPr>
-        <p:cNvPr id="1" name=""/>
-        <p:cNvGrpSpPr/>
-        <p:nvPr/>
-      </p:nvGrpSpPr>
-      <p:grpSpPr>
-        <a:xfrm>
-          <a:off x="0" y="0"/>
-          <a:ext cx="0" cy="0"/>
-          <a:chOff x="0" y="0"/>
-          <a:chExt cx="0" cy="0"/>
-        </a:xfrm>
-      </p:grpSpPr>
-      <p:sp>
-        <p:nvSpPr>
-          <p:cNvPr id="79" name="PlaceHolder 1"/>
-          <p:cNvSpPr>
-            <a:spLocks noGrp="1"/>
-          </p:cNvSpPr>
-          <p:nvPr>
-            <p:ph type="title"/>
-          </p:nvPr>
-        </p:nvSpPr>
-        <p:spPr>
-          <a:xfrm>
-            <a:off x="685800" y="304920"/>
-            <a:ext cx="7619400" cy="837360"/>
-          </a:xfrm>
-          <a:prstGeom prst="rect">
-            <a:avLst/>
-          </a:prstGeom>
-        </p:spPr>
-        <p:txBody>
-          <a:bodyPr lIns="0" rIns="0" tIns="0" bIns="0" anchor="ctr"/>
-          <a:p>
-            <a:pPr algn="ctr"/>
-            <a:endParaRPr b="0" lang="en-US" sz="4400" spc="-1" strike="noStrike">
-              <a:solidFill>
-                <a:srgbClr val="000000"/>
-              </a:solidFill>
-              <a:uFill>
-                <a:solidFill>
-                  <a:srgbClr val="ffffff"/>
-                </a:solidFill>
-              </a:uFill>
-              <a:latin typeface="Arial"/>
-            </a:endParaRPr>
-          </a:p>
-        </p:txBody>
-      </p:sp>
-      <p:sp>
-        <p:nvSpPr>
-          <p:cNvPr id="80" name="PlaceHolder 2"/>
-          <p:cNvSpPr>
-            <a:spLocks noGrp="1"/>
-          </p:cNvSpPr>
-          <p:nvPr>
-            <p:ph type="body"/>
-          </p:nvPr>
-        </p:nvSpPr>
-        <p:spPr>
-          <a:xfrm>
-            <a:off x="457200" y="1604520"/>
-            <a:ext cx="8229240" cy="3977280"/>
-          </a:xfrm>
-          <a:prstGeom prst="rect">
-            <a:avLst/>
-          </a:prstGeom>
-        </p:spPr>
-        <p:txBody>
-          <a:bodyPr lIns="0" rIns="0" tIns="0" bIns="0"/>
-          <a:p>
-            <a:endParaRPr b="0" lang="en-US" sz="3200" spc="-1" strike="noStrike">
-              <a:solidFill>
-                <a:srgbClr val="000000"/>
-              </a:solidFill>
-              <a:uFill>
-                <a:solidFill>
-                  <a:srgbClr val="ffffff"/>
-                </a:solidFill>
-              </a:uFill>
-              <a:latin typeface="Arial"/>
-            </a:endParaRPr>
-          </a:p>
-        </p:txBody>
-      </p:sp>
-      <p:sp>
-        <p:nvSpPr>
-          <p:cNvPr id="81" name="PlaceHolder 3"/>
-          <p:cNvSpPr>
-            <a:spLocks noGrp="1"/>
-          </p:cNvSpPr>
-          <p:nvPr>
-            <p:ph type="body"/>
-          </p:nvPr>
-        </p:nvSpPr>
-        <p:spPr>
-          <a:xfrm>
-            <a:off x="457200" y="1604520"/>
-            <a:ext cx="8229240" cy="3977280"/>
-          </a:xfrm>
-          <a:prstGeom prst="rect">
-            <a:avLst/>
-          </a:prstGeom>
-        </p:spPr>
-        <p:txBody>
-          <a:bodyPr lIns="0" rIns="0" tIns="0" bIns="0"/>
-          <a:p>
-            <a:endParaRPr b="0" lang="en-US" sz="3200" spc="-1" strike="noStrike">
-              <a:solidFill>
-                <a:srgbClr val="000000"/>
-              </a:solidFill>
-              <a:uFill>
-                <a:solidFill>
-                  <a:srgbClr val="ffffff"/>
-                </a:solidFill>
-              </a:uFill>
-              <a:latin typeface="Arial"/>
-            </a:endParaRPr>
-          </a:p>
-        </p:txBody>
-      </p:sp>
-      <p:pic>
-        <p:nvPicPr>
-          <p:cNvPr id="82" name="" descr=""/>
-          <p:cNvPicPr/>
-          <p:nvPr/>
-        </p:nvPicPr>
-        <p:blipFill>
-          <a:blip r:embed="rId2"/>
-          <a:stretch/>
-        </p:blipFill>
-        <p:spPr>
-          <a:xfrm>
-            <a:off x="2079000" y="1604520"/>
-            <a:ext cx="4984920" cy="3977280"/>
-          </a:xfrm>
-          <a:prstGeom prst="rect">
-            <a:avLst/>
-          </a:prstGeom>
-          <a:ln>
-            <a:noFill/>
-          </a:ln>
-        </p:spPr>
-      </p:pic>
-      <p:pic>
-        <p:nvPicPr>
-          <p:cNvPr id="83" name="" descr=""/>
-          <p:cNvPicPr/>
-          <p:nvPr/>
-        </p:nvPicPr>
-        <p:blipFill>
-          <a:blip r:embed="rId3"/>
-          <a:stretch/>
-        </p:blipFill>
-        <p:spPr>
-          <a:xfrm>
-            <a:off x="2079000" y="1604520"/>
-            <a:ext cx="4984920" cy="3977280"/>
-          </a:xfrm>
-          <a:prstGeom prst="rect">
-            <a:avLst/>
-          </a:prstGeom>
-          <a:ln>
-            <a:noFill/>
-          </a:ln>
-        </p:spPr>
-      </p:pic>
     </p:spTree>
   </p:cSld>
 </p:sldLayout>
@@ -2543,8 +1068,8 @@
         </p:nvSpPr>
         <p:spPr>
           <a:xfrm>
-            <a:off x="685800" y="304920"/>
-            <a:ext cx="7619400" cy="837360"/>
+            <a:off x="457200" y="273600"/>
+            <a:ext cx="8229240" cy="1144800"/>
           </a:xfrm>
           <a:prstGeom prst="rect">
             <a:avLst/>
@@ -2638,8 +1163,8 @@
         </p:nvSpPr>
         <p:spPr>
           <a:xfrm>
-            <a:off x="685800" y="304920"/>
-            <a:ext cx="7619400" cy="837360"/>
+            <a:off x="457200" y="273600"/>
+            <a:ext cx="8229240" cy="1144800"/>
           </a:xfrm>
           <a:prstGeom prst="rect">
             <a:avLst/>
@@ -2769,8 +1294,8 @@
         </p:nvSpPr>
         <p:spPr>
           <a:xfrm>
-            <a:off x="685800" y="304920"/>
-            <a:ext cx="7619400" cy="837360"/>
+            <a:off x="457200" y="273600"/>
+            <a:ext cx="8229240" cy="1144800"/>
           </a:xfrm>
           <a:prstGeom prst="rect">
             <a:avLst/>
@@ -2828,8 +1353,8 @@
         </p:nvSpPr>
         <p:spPr>
           <a:xfrm>
-            <a:off x="685800" y="304920"/>
-            <a:ext cx="7619400" cy="3882960"/>
+            <a:off x="457200" y="273600"/>
+            <a:ext cx="8229240" cy="5307840"/>
           </a:xfrm>
           <a:prstGeom prst="rect">
             <a:avLst/>
@@ -2887,8 +1412,8 @@
         </p:nvSpPr>
         <p:spPr>
           <a:xfrm>
-            <a:off x="685800" y="304920"/>
-            <a:ext cx="7619400" cy="837360"/>
+            <a:off x="457200" y="273600"/>
+            <a:ext cx="8229240" cy="1144800"/>
           </a:xfrm>
           <a:prstGeom prst="rect">
             <a:avLst/>
@@ -3054,8 +1579,8 @@
         </p:nvSpPr>
         <p:spPr>
           <a:xfrm>
-            <a:off x="685800" y="304920"/>
-            <a:ext cx="7619400" cy="837360"/>
+            <a:off x="457200" y="273600"/>
+            <a:ext cx="8229240" cy="1144800"/>
           </a:xfrm>
           <a:prstGeom prst="rect">
             <a:avLst/>
@@ -3221,8 +1746,8 @@
         </p:nvSpPr>
         <p:spPr>
           <a:xfrm>
-            <a:off x="685800" y="304920"/>
-            <a:ext cx="7619400" cy="837360"/>
+            <a:off x="457200" y="273600"/>
+            <a:ext cx="8229240" cy="1144800"/>
           </a:xfrm>
           <a:prstGeom prst="rect">
             <a:avLst/>
@@ -3395,8 +1920,8 @@
         </p:nvSpPr>
         <p:spPr>
           <a:xfrm>
-            <a:off x="685800" y="304920"/>
-            <a:ext cx="7619400" cy="837360"/>
+            <a:off x="457200" y="273600"/>
+            <a:ext cx="8229240" cy="1144800"/>
           </a:xfrm>
           <a:prstGeom prst="rect">
             <a:avLst/>
@@ -3406,6 +1931,20 @@
           <a:bodyPr lIns="0" rIns="0" tIns="0" bIns="0" anchor="ctr"/>
           <a:p>
             <a:pPr algn="ctr"/>
+            <a:r>
+              <a:rPr b="0" lang="en-US" sz="4400" spc="-1" strike="noStrike">
+                <a:solidFill>
+                  <a:srgbClr val="000000"/>
+                </a:solidFill>
+                <a:uFill>
+                  <a:solidFill>
+                    <a:srgbClr val="ffffff"/>
+                  </a:solidFill>
+                </a:uFill>
+                <a:latin typeface="Arial"/>
+              </a:rPr>
+              <a:t>Click to edit the title text format</a:t>
+            </a:r>
             <a:endParaRPr b="0" lang="en-US" sz="4400" spc="-1" strike="noStrike">
               <a:solidFill>
                 <a:srgbClr val="000000"/>
@@ -3704,897 +2243,6 @@
     <p:sldLayoutId id="2147483658" r:id="rId11"/>
     <p:sldLayoutId id="2147483659" r:id="rId12"/>
     <p:sldLayoutId id="2147483660" r:id="rId13"/>
-  </p:sldLayoutIdLst>
-</p:sldMaster>
-</file>
-
-<file path=ppt/slideMasters/slideMaster2.xml><?xml version="1.0" encoding="utf-8"?>
-<p:sldMaster xmlns:a="http://schemas.openxmlformats.org/drawingml/2006/main" xmlns:p="http://schemas.openxmlformats.org/presentationml/2006/main" xmlns:r="http://schemas.openxmlformats.org/officeDocument/2006/relationships" xmlns:p14="http://schemas.microsoft.com/office/powerpoint/2010/main" xmlns:p15="http://schemas.microsoft.com/office/powerpoint/2012/main" xmlns:mc="http://schemas.openxmlformats.org/markup-compatibility/2006">
-  <p:cSld>
-    <p:bg>
-      <p:bgPr>
-        <a:solidFill>
-          <a:srgbClr val="ffffff"/>
-        </a:solidFill>
-      </p:bgPr>
-    </p:bg>
-    <p:spTree>
-      <p:nvGrpSpPr>
-        <p:cNvPr id="1" name=""/>
-        <p:cNvGrpSpPr/>
-        <p:nvPr/>
-      </p:nvGrpSpPr>
-      <p:grpSpPr>
-        <a:xfrm>
-          <a:off x="0" y="0"/>
-          <a:ext cx="0" cy="0"/>
-          <a:chOff x="0" y="0"/>
-          <a:chExt cx="0" cy="0"/>
-        </a:xfrm>
-      </p:grpSpPr>
-      <p:pic>
-        <p:nvPicPr>
-          <p:cNvPr id="36" name="Picture 2" descr=""/>
-          <p:cNvPicPr/>
-          <p:nvPr/>
-        </p:nvPicPr>
-        <p:blipFill>
-          <a:blip r:embed="rId2"/>
-          <a:stretch/>
-        </p:blipFill>
-        <p:spPr>
-          <a:xfrm rot="10800000">
-            <a:off x="13588200" y="6363000"/>
-            <a:ext cx="4444200" cy="2120760"/>
-          </a:xfrm>
-          <a:prstGeom prst="rect">
-            <a:avLst/>
-          </a:prstGeom>
-          <a:ln>
-            <a:noFill/>
-          </a:ln>
-        </p:spPr>
-      </p:pic>
-      <p:sp>
-        <p:nvSpPr>
-          <p:cNvPr id="37" name="CustomShape 1"/>
-          <p:cNvSpPr/>
-          <p:nvPr/>
-        </p:nvSpPr>
-        <p:spPr>
-          <a:xfrm>
-            <a:off x="7274520" y="6324480"/>
-            <a:ext cx="356040" cy="356040"/>
-          </a:xfrm>
-          <a:prstGeom prst="ellipse">
-            <a:avLst/>
-          </a:prstGeom>
-          <a:gradFill>
-            <a:gsLst>
-              <a:gs pos="0">
-                <a:srgbClr val="fe5815"/>
-              </a:gs>
-              <a:gs pos="100000">
-                <a:srgbClr val="ffc000"/>
-              </a:gs>
-            </a:gsLst>
-            <a:lin ang="0"/>
-          </a:gradFill>
-          <a:ln w="12600">
-            <a:solidFill>
-              <a:srgbClr val="ff9900"/>
-            </a:solidFill>
-            <a:round/>
-          </a:ln>
-          <a:effectLst>
-            <a:outerShdw algn="tl" blurRad="50800" dir="2700000" dist="38100" rotWithShape="0">
-              <a:srgbClr val="000000">
-                <a:alpha val="40000"/>
-              </a:srgbClr>
-            </a:outerShdw>
-          </a:effectLst>
-        </p:spPr>
-        <p:style>
-          <a:lnRef idx="2">
-            <a:schemeClr val="accent1">
-              <a:shade val="50000"/>
-            </a:schemeClr>
-          </a:lnRef>
-          <a:fillRef idx="1">
-            <a:schemeClr val="accent1"/>
-          </a:fillRef>
-          <a:effectRef idx="0">
-            <a:schemeClr val="accent1"/>
-          </a:effectRef>
-          <a:fontRef idx="minor"/>
-        </p:style>
-      </p:sp>
-      <p:sp>
-        <p:nvSpPr>
-          <p:cNvPr id="38" name="CustomShape 2"/>
-          <p:cNvSpPr/>
-          <p:nvPr/>
-        </p:nvSpPr>
-        <p:spPr>
-          <a:xfrm>
-            <a:off x="7479360" y="6501240"/>
-            <a:ext cx="55440" cy="101160"/>
-          </a:xfrm>
-          <a:prstGeom prst="rect">
-            <a:avLst/>
-          </a:prstGeom>
-          <a:solidFill>
-            <a:schemeClr val="bg1"/>
-          </a:solidFill>
-          <a:ln>
-            <a:noFill/>
-          </a:ln>
-          <a:effectLst>
-            <a:outerShdw algn="ctr" blurRad="63500" rotWithShape="0" sx="102000" sy="102000">
-              <a:srgbClr val="000000">
-                <a:alpha val="40000"/>
-              </a:srgbClr>
-            </a:outerShdw>
-          </a:effectLst>
-        </p:spPr>
-        <p:style>
-          <a:lnRef idx="2">
-            <a:schemeClr val="accent1">
-              <a:shade val="50000"/>
-            </a:schemeClr>
-          </a:lnRef>
-          <a:fillRef idx="1">
-            <a:schemeClr val="accent1"/>
-          </a:fillRef>
-          <a:effectRef idx="0">
-            <a:schemeClr val="accent1"/>
-          </a:effectRef>
-          <a:fontRef idx="minor"/>
-        </p:style>
-      </p:sp>
-      <p:sp>
-        <p:nvSpPr>
-          <p:cNvPr id="39" name="CustomShape 3"/>
-          <p:cNvSpPr/>
-          <p:nvPr/>
-        </p:nvSpPr>
-        <p:spPr>
-          <a:xfrm>
-            <a:off x="7376760" y="6501240"/>
-            <a:ext cx="55440" cy="101160"/>
-          </a:xfrm>
-          <a:prstGeom prst="rect">
-            <a:avLst/>
-          </a:prstGeom>
-          <a:solidFill>
-            <a:schemeClr val="bg1"/>
-          </a:solidFill>
-          <a:ln>
-            <a:noFill/>
-          </a:ln>
-          <a:effectLst>
-            <a:outerShdw algn="ctr" blurRad="63500" rotWithShape="0" sx="102000" sy="102000">
-              <a:srgbClr val="000000">
-                <a:alpha val="40000"/>
-              </a:srgbClr>
-            </a:outerShdw>
-          </a:effectLst>
-        </p:spPr>
-        <p:style>
-          <a:lnRef idx="2">
-            <a:schemeClr val="accent1">
-              <a:shade val="50000"/>
-            </a:schemeClr>
-          </a:lnRef>
-          <a:fillRef idx="1">
-            <a:schemeClr val="accent1"/>
-          </a:fillRef>
-          <a:effectRef idx="0">
-            <a:schemeClr val="accent1"/>
-          </a:effectRef>
-          <a:fontRef idx="minor"/>
-        </p:style>
-      </p:sp>
-      <p:sp>
-        <p:nvSpPr>
-          <p:cNvPr id="40" name="CustomShape 4"/>
-          <p:cNvSpPr/>
-          <p:nvPr/>
-        </p:nvSpPr>
-        <p:spPr>
-          <a:xfrm>
-            <a:off x="7342920" y="6389280"/>
-            <a:ext cx="239400" cy="111240"/>
-          </a:xfrm>
-          <a:prstGeom prst="triangle">
-            <a:avLst>
-              <a:gd name="adj" fmla="val 50000"/>
-            </a:avLst>
-          </a:prstGeom>
-          <a:solidFill>
-            <a:schemeClr val="bg1"/>
-          </a:solidFill>
-          <a:ln>
-            <a:noFill/>
-          </a:ln>
-          <a:effectLst>
-            <a:outerShdw algn="ctr" blurRad="63500" rotWithShape="0" sx="102000" sy="102000">
-              <a:srgbClr val="000000">
-                <a:alpha val="40000"/>
-              </a:srgbClr>
-            </a:outerShdw>
-          </a:effectLst>
-        </p:spPr>
-        <p:style>
-          <a:lnRef idx="2">
-            <a:schemeClr val="accent1">
-              <a:shade val="50000"/>
-            </a:schemeClr>
-          </a:lnRef>
-          <a:fillRef idx="1">
-            <a:schemeClr val="accent1"/>
-          </a:fillRef>
-          <a:effectRef idx="0">
-            <a:schemeClr val="accent1"/>
-          </a:effectRef>
-          <a:fontRef idx="minor"/>
-        </p:style>
-      </p:sp>
-      <p:sp>
-        <p:nvSpPr>
-          <p:cNvPr id="41" name="CustomShape 5"/>
-          <p:cNvSpPr/>
-          <p:nvPr/>
-        </p:nvSpPr>
-        <p:spPr>
-          <a:xfrm>
-            <a:off x="8558640" y="6325560"/>
-            <a:ext cx="356040" cy="356040"/>
-          </a:xfrm>
-          <a:prstGeom prst="ellipse">
-            <a:avLst/>
-          </a:prstGeom>
-          <a:gradFill>
-            <a:gsLst>
-              <a:gs pos="0">
-                <a:srgbClr val="fe5815"/>
-              </a:gs>
-              <a:gs pos="100000">
-                <a:srgbClr val="ffc000"/>
-              </a:gs>
-            </a:gsLst>
-            <a:lin ang="0"/>
-          </a:gradFill>
-          <a:ln w="12600">
-            <a:solidFill>
-              <a:srgbClr val="ff9900"/>
-            </a:solidFill>
-            <a:round/>
-          </a:ln>
-          <a:effectLst>
-            <a:outerShdw algn="tl" blurRad="50800" dir="2700000" dist="38100" rotWithShape="0">
-              <a:srgbClr val="000000">
-                <a:alpha val="40000"/>
-              </a:srgbClr>
-            </a:outerShdw>
-          </a:effectLst>
-        </p:spPr>
-        <p:style>
-          <a:lnRef idx="2">
-            <a:schemeClr val="accent1">
-              <a:shade val="50000"/>
-            </a:schemeClr>
-          </a:lnRef>
-          <a:fillRef idx="1">
-            <a:schemeClr val="accent1"/>
-          </a:fillRef>
-          <a:effectRef idx="0">
-            <a:schemeClr val="accent1"/>
-          </a:effectRef>
-          <a:fontRef idx="minor"/>
-        </p:style>
-      </p:sp>
-      <p:sp>
-        <p:nvSpPr>
-          <p:cNvPr id="42" name="CustomShape 6"/>
-          <p:cNvSpPr/>
-          <p:nvPr/>
-        </p:nvSpPr>
-        <p:spPr>
-          <a:xfrm flipH="1" rot="5400000">
-            <a:off x="8674560" y="6420240"/>
-            <a:ext cx="194400" cy="167400"/>
-          </a:xfrm>
-          <a:prstGeom prst="triangle">
-            <a:avLst>
-              <a:gd name="adj" fmla="val 50000"/>
-            </a:avLst>
-          </a:prstGeom>
-          <a:solidFill>
-            <a:schemeClr val="bg1"/>
-          </a:solidFill>
-          <a:ln>
-            <a:noFill/>
-          </a:ln>
-          <a:effectLst>
-            <a:outerShdw algn="l" blurRad="50800" dist="38100" rotWithShape="0">
-              <a:srgbClr val="d35641">
-                <a:alpha val="40000"/>
-              </a:srgbClr>
-            </a:outerShdw>
-          </a:effectLst>
-        </p:spPr>
-        <p:style>
-          <a:lnRef idx="2">
-            <a:schemeClr val="accent1">
-              <a:shade val="50000"/>
-            </a:schemeClr>
-          </a:lnRef>
-          <a:fillRef idx="1">
-            <a:schemeClr val="accent1"/>
-          </a:fillRef>
-          <a:effectRef idx="0">
-            <a:schemeClr val="accent1"/>
-          </a:effectRef>
-          <a:fontRef idx="minor"/>
-        </p:style>
-      </p:sp>
-      <p:sp>
-        <p:nvSpPr>
-          <p:cNvPr id="43" name="CustomShape 7"/>
-          <p:cNvSpPr/>
-          <p:nvPr/>
-        </p:nvSpPr>
-        <p:spPr>
-          <a:xfrm>
-            <a:off x="7274520" y="6324480"/>
-            <a:ext cx="356040" cy="356040"/>
-          </a:xfrm>
-          <a:prstGeom prst="ellipse">
-            <a:avLst/>
-          </a:prstGeom>
-          <a:gradFill>
-            <a:gsLst>
-              <a:gs pos="0">
-                <a:srgbClr val="fe5815"/>
-              </a:gs>
-              <a:gs pos="100000">
-                <a:srgbClr val="ffc000"/>
-              </a:gs>
-            </a:gsLst>
-            <a:lin ang="0"/>
-          </a:gradFill>
-          <a:ln w="12600">
-            <a:solidFill>
-              <a:srgbClr val="ff9900"/>
-            </a:solidFill>
-            <a:round/>
-          </a:ln>
-          <a:effectLst>
-            <a:outerShdw algn="tl" blurRad="50800" dir="2700000" dist="38100" rotWithShape="0">
-              <a:srgbClr val="000000">
-                <a:alpha val="40000"/>
-              </a:srgbClr>
-            </a:outerShdw>
-          </a:effectLst>
-        </p:spPr>
-        <p:style>
-          <a:lnRef idx="2">
-            <a:schemeClr val="accent1">
-              <a:shade val="50000"/>
-            </a:schemeClr>
-          </a:lnRef>
-          <a:fillRef idx="1">
-            <a:schemeClr val="accent1"/>
-          </a:fillRef>
-          <a:effectRef idx="0">
-            <a:schemeClr val="accent1"/>
-          </a:effectRef>
-          <a:fontRef idx="minor"/>
-        </p:style>
-      </p:sp>
-      <p:sp>
-        <p:nvSpPr>
-          <p:cNvPr id="44" name="CustomShape 8"/>
-          <p:cNvSpPr/>
-          <p:nvPr/>
-        </p:nvSpPr>
-        <p:spPr>
-          <a:xfrm>
-            <a:off x="7479360" y="6501240"/>
-            <a:ext cx="55440" cy="101160"/>
-          </a:xfrm>
-          <a:prstGeom prst="rect">
-            <a:avLst/>
-          </a:prstGeom>
-          <a:solidFill>
-            <a:schemeClr val="bg1"/>
-          </a:solidFill>
-          <a:ln>
-            <a:noFill/>
-          </a:ln>
-          <a:effectLst>
-            <a:outerShdw algn="ctr" blurRad="63500" rotWithShape="0" sx="102000" sy="102000">
-              <a:srgbClr val="000000">
-                <a:alpha val="40000"/>
-              </a:srgbClr>
-            </a:outerShdw>
-          </a:effectLst>
-        </p:spPr>
-        <p:style>
-          <a:lnRef idx="2">
-            <a:schemeClr val="accent1">
-              <a:shade val="50000"/>
-            </a:schemeClr>
-          </a:lnRef>
-          <a:fillRef idx="1">
-            <a:schemeClr val="accent1"/>
-          </a:fillRef>
-          <a:effectRef idx="0">
-            <a:schemeClr val="accent1"/>
-          </a:effectRef>
-          <a:fontRef idx="minor"/>
-        </p:style>
-      </p:sp>
-      <p:sp>
-        <p:nvSpPr>
-          <p:cNvPr id="45" name="CustomShape 9"/>
-          <p:cNvSpPr/>
-          <p:nvPr/>
-        </p:nvSpPr>
-        <p:spPr>
-          <a:xfrm>
-            <a:off x="7376760" y="6501240"/>
-            <a:ext cx="55440" cy="101160"/>
-          </a:xfrm>
-          <a:prstGeom prst="rect">
-            <a:avLst/>
-          </a:prstGeom>
-          <a:solidFill>
-            <a:schemeClr val="bg1"/>
-          </a:solidFill>
-          <a:ln>
-            <a:noFill/>
-          </a:ln>
-          <a:effectLst>
-            <a:outerShdw algn="ctr" blurRad="63500" rotWithShape="0" sx="102000" sy="102000">
-              <a:srgbClr val="000000">
-                <a:alpha val="40000"/>
-              </a:srgbClr>
-            </a:outerShdw>
-          </a:effectLst>
-        </p:spPr>
-        <p:style>
-          <a:lnRef idx="2">
-            <a:schemeClr val="accent1">
-              <a:shade val="50000"/>
-            </a:schemeClr>
-          </a:lnRef>
-          <a:fillRef idx="1">
-            <a:schemeClr val="accent1"/>
-          </a:fillRef>
-          <a:effectRef idx="0">
-            <a:schemeClr val="accent1"/>
-          </a:effectRef>
-          <a:fontRef idx="minor"/>
-        </p:style>
-      </p:sp>
-      <p:sp>
-        <p:nvSpPr>
-          <p:cNvPr id="46" name="CustomShape 10"/>
-          <p:cNvSpPr/>
-          <p:nvPr/>
-        </p:nvSpPr>
-        <p:spPr>
-          <a:xfrm>
-            <a:off x="7342920" y="6389280"/>
-            <a:ext cx="239400" cy="111240"/>
-          </a:xfrm>
-          <a:prstGeom prst="triangle">
-            <a:avLst>
-              <a:gd name="adj" fmla="val 50000"/>
-            </a:avLst>
-          </a:prstGeom>
-          <a:solidFill>
-            <a:schemeClr val="bg1"/>
-          </a:solidFill>
-          <a:ln>
-            <a:noFill/>
-          </a:ln>
-          <a:effectLst>
-            <a:outerShdw algn="ctr" blurRad="63500" rotWithShape="0" sx="102000" sy="102000">
-              <a:srgbClr val="000000">
-                <a:alpha val="40000"/>
-              </a:srgbClr>
-            </a:outerShdw>
-          </a:effectLst>
-        </p:spPr>
-        <p:style>
-          <a:lnRef idx="2">
-            <a:schemeClr val="accent1">
-              <a:shade val="50000"/>
-            </a:schemeClr>
-          </a:lnRef>
-          <a:fillRef idx="1">
-            <a:schemeClr val="accent1"/>
-          </a:fillRef>
-          <a:effectRef idx="0">
-            <a:schemeClr val="accent1"/>
-          </a:effectRef>
-          <a:fontRef idx="minor"/>
-        </p:style>
-      </p:sp>
-      <p:sp>
-        <p:nvSpPr>
-          <p:cNvPr id="47" name="Line 11"/>
-          <p:cNvSpPr/>
-          <p:nvPr/>
-        </p:nvSpPr>
-        <p:spPr>
-          <a:xfrm>
-            <a:off x="7813440" y="6325200"/>
-            <a:ext cx="360" cy="356760"/>
-          </a:xfrm>
-          <a:prstGeom prst="line">
-            <a:avLst/>
-          </a:prstGeom>
-          <a:ln>
-            <a:solidFill>
-              <a:schemeClr val="bg1">
-                <a:lumMod val="85000"/>
-              </a:schemeClr>
-            </a:solidFill>
-            <a:round/>
-          </a:ln>
-        </p:spPr>
-        <p:style>
-          <a:lnRef idx="1">
-            <a:schemeClr val="accent1"/>
-          </a:lnRef>
-          <a:fillRef idx="0">
-            <a:schemeClr val="accent1"/>
-          </a:fillRef>
-          <a:effectRef idx="0">
-            <a:schemeClr val="accent1"/>
-          </a:effectRef>
-          <a:fontRef idx="minor"/>
-        </p:style>
-      </p:sp>
-      <p:sp>
-        <p:nvSpPr>
-          <p:cNvPr id="48" name="PlaceHolder 12"/>
-          <p:cNvSpPr>
-            <a:spLocks noGrp="1"/>
-          </p:cNvSpPr>
-          <p:nvPr>
-            <p:ph type="title"/>
-          </p:nvPr>
-        </p:nvSpPr>
-        <p:spPr>
-          <a:xfrm>
-            <a:off x="457200" y="273600"/>
-            <a:ext cx="8229240" cy="1144800"/>
-          </a:xfrm>
-          <a:prstGeom prst="rect">
-            <a:avLst/>
-          </a:prstGeom>
-        </p:spPr>
-        <p:txBody>
-          <a:bodyPr lIns="0" rIns="0" tIns="0" bIns="0" anchor="ctr"/>
-          <a:p>
-            <a:pPr algn="ctr"/>
-            <a:r>
-              <a:rPr b="0" lang="en-US" sz="4400" spc="-1" strike="noStrike">
-                <a:solidFill>
-                  <a:srgbClr val="000000"/>
-                </a:solidFill>
-                <a:uFill>
-                  <a:solidFill>
-                    <a:srgbClr val="ffffff"/>
-                  </a:solidFill>
-                </a:uFill>
-                <a:latin typeface="Arial"/>
-              </a:rPr>
-              <a:t>Click to edit the title text format</a:t>
-            </a:r>
-            <a:endParaRPr b="0" lang="en-US" sz="4400" spc="-1" strike="noStrike">
-              <a:solidFill>
-                <a:srgbClr val="000000"/>
-              </a:solidFill>
-              <a:uFill>
-                <a:solidFill>
-                  <a:srgbClr val="ffffff"/>
-                </a:solidFill>
-              </a:uFill>
-              <a:latin typeface="Arial"/>
-            </a:endParaRPr>
-          </a:p>
-        </p:txBody>
-      </p:sp>
-      <p:sp>
-        <p:nvSpPr>
-          <p:cNvPr id="49" name="PlaceHolder 13"/>
-          <p:cNvSpPr>
-            <a:spLocks noGrp="1"/>
-          </p:cNvSpPr>
-          <p:nvPr>
-            <p:ph type="body"/>
-          </p:nvPr>
-        </p:nvSpPr>
-        <p:spPr>
-          <a:xfrm>
-            <a:off x="457200" y="1604520"/>
-            <a:ext cx="8229240" cy="3977280"/>
-          </a:xfrm>
-          <a:prstGeom prst="rect">
-            <a:avLst/>
-          </a:prstGeom>
-        </p:spPr>
-        <p:txBody>
-          <a:bodyPr lIns="0" rIns="0" tIns="0" bIns="0"/>
-          <a:p>
-            <a:pPr marL="432000" indent="-324000">
-              <a:buClr>
-                <a:srgbClr val="000000"/>
-              </a:buClr>
-              <a:buSzPct val="45000"/>
-              <a:buFont typeface="Wingdings" charset="2"/>
-              <a:buChar char=""/>
-            </a:pPr>
-            <a:r>
-              <a:rPr b="0" lang="en-US" sz="3200" spc="-1" strike="noStrike">
-                <a:solidFill>
-                  <a:srgbClr val="000000"/>
-                </a:solidFill>
-                <a:uFill>
-                  <a:solidFill>
-                    <a:srgbClr val="ffffff"/>
-                  </a:solidFill>
-                </a:uFill>
-                <a:latin typeface="Arial"/>
-              </a:rPr>
-              <a:t>Click to edit the outline text format</a:t>
-            </a:r>
-            <a:endParaRPr b="0" lang="en-US" sz="3200" spc="-1" strike="noStrike">
-              <a:solidFill>
-                <a:srgbClr val="000000"/>
-              </a:solidFill>
-              <a:uFill>
-                <a:solidFill>
-                  <a:srgbClr val="ffffff"/>
-                </a:solidFill>
-              </a:uFill>
-              <a:latin typeface="Arial"/>
-            </a:endParaRPr>
-          </a:p>
-          <a:p>
-            <a:pPr lvl="1" marL="864000" indent="-324000">
-              <a:buClr>
-                <a:srgbClr val="000000"/>
-              </a:buClr>
-              <a:buSzPct val="75000"/>
-              <a:buFont typeface="Symbol" charset="2"/>
-              <a:buChar char=""/>
-            </a:pPr>
-            <a:r>
-              <a:rPr b="0" lang="en-US" sz="2800" spc="-1" strike="noStrike">
-                <a:solidFill>
-                  <a:srgbClr val="000000"/>
-                </a:solidFill>
-                <a:uFill>
-                  <a:solidFill>
-                    <a:srgbClr val="ffffff"/>
-                  </a:solidFill>
-                </a:uFill>
-                <a:latin typeface="Arial"/>
-              </a:rPr>
-              <a:t>Second Outline Level</a:t>
-            </a:r>
-            <a:endParaRPr b="0" lang="en-US" sz="2800" spc="-1" strike="noStrike">
-              <a:solidFill>
-                <a:srgbClr val="000000"/>
-              </a:solidFill>
-              <a:uFill>
-                <a:solidFill>
-                  <a:srgbClr val="ffffff"/>
-                </a:solidFill>
-              </a:uFill>
-              <a:latin typeface="Arial"/>
-            </a:endParaRPr>
-          </a:p>
-          <a:p>
-            <a:pPr lvl="2" marL="1296000" indent="-288000">
-              <a:buClr>
-                <a:srgbClr val="000000"/>
-              </a:buClr>
-              <a:buSzPct val="45000"/>
-              <a:buFont typeface="Wingdings" charset="2"/>
-              <a:buChar char=""/>
-            </a:pPr>
-            <a:r>
-              <a:rPr b="0" lang="en-US" sz="2400" spc="-1" strike="noStrike">
-                <a:solidFill>
-                  <a:srgbClr val="000000"/>
-                </a:solidFill>
-                <a:uFill>
-                  <a:solidFill>
-                    <a:srgbClr val="ffffff"/>
-                  </a:solidFill>
-                </a:uFill>
-                <a:latin typeface="Arial"/>
-              </a:rPr>
-              <a:t>Third Outline Level</a:t>
-            </a:r>
-            <a:endParaRPr b="0" lang="en-US" sz="2400" spc="-1" strike="noStrike">
-              <a:solidFill>
-                <a:srgbClr val="000000"/>
-              </a:solidFill>
-              <a:uFill>
-                <a:solidFill>
-                  <a:srgbClr val="ffffff"/>
-                </a:solidFill>
-              </a:uFill>
-              <a:latin typeface="Arial"/>
-            </a:endParaRPr>
-          </a:p>
-          <a:p>
-            <a:pPr lvl="3" marL="1728000" indent="-216000">
-              <a:buClr>
-                <a:srgbClr val="000000"/>
-              </a:buClr>
-              <a:buSzPct val="75000"/>
-              <a:buFont typeface="Symbol" charset="2"/>
-              <a:buChar char=""/>
-            </a:pPr>
-            <a:r>
-              <a:rPr b="0" lang="en-US" sz="2000" spc="-1" strike="noStrike">
-                <a:solidFill>
-                  <a:srgbClr val="000000"/>
-                </a:solidFill>
-                <a:uFill>
-                  <a:solidFill>
-                    <a:srgbClr val="ffffff"/>
-                  </a:solidFill>
-                </a:uFill>
-                <a:latin typeface="Arial"/>
-              </a:rPr>
-              <a:t>Fourth Outline Level</a:t>
-            </a:r>
-            <a:endParaRPr b="0" lang="en-US" sz="2000" spc="-1" strike="noStrike">
-              <a:solidFill>
-                <a:srgbClr val="000000"/>
-              </a:solidFill>
-              <a:uFill>
-                <a:solidFill>
-                  <a:srgbClr val="ffffff"/>
-                </a:solidFill>
-              </a:uFill>
-              <a:latin typeface="Arial"/>
-            </a:endParaRPr>
-          </a:p>
-          <a:p>
-            <a:pPr lvl="4" marL="2160000" indent="-216000">
-              <a:buClr>
-                <a:srgbClr val="000000"/>
-              </a:buClr>
-              <a:buSzPct val="45000"/>
-              <a:buFont typeface="Wingdings" charset="2"/>
-              <a:buChar char=""/>
-            </a:pPr>
-            <a:r>
-              <a:rPr b="0" lang="en-US" sz="2000" spc="-1" strike="noStrike">
-                <a:solidFill>
-                  <a:srgbClr val="000000"/>
-                </a:solidFill>
-                <a:uFill>
-                  <a:solidFill>
-                    <a:srgbClr val="ffffff"/>
-                  </a:solidFill>
-                </a:uFill>
-                <a:latin typeface="Arial"/>
-              </a:rPr>
-              <a:t>Fifth Outline Level</a:t>
-            </a:r>
-            <a:endParaRPr b="0" lang="en-US" sz="2000" spc="-1" strike="noStrike">
-              <a:solidFill>
-                <a:srgbClr val="000000"/>
-              </a:solidFill>
-              <a:uFill>
-                <a:solidFill>
-                  <a:srgbClr val="ffffff"/>
-                </a:solidFill>
-              </a:uFill>
-              <a:latin typeface="Arial"/>
-            </a:endParaRPr>
-          </a:p>
-          <a:p>
-            <a:pPr lvl="5" marL="2592000" indent="-216000">
-              <a:buClr>
-                <a:srgbClr val="000000"/>
-              </a:buClr>
-              <a:buSzPct val="45000"/>
-              <a:buFont typeface="Wingdings" charset="2"/>
-              <a:buChar char=""/>
-            </a:pPr>
-            <a:r>
-              <a:rPr b="0" lang="en-US" sz="2000" spc="-1" strike="noStrike">
-                <a:solidFill>
-                  <a:srgbClr val="000000"/>
-                </a:solidFill>
-                <a:uFill>
-                  <a:solidFill>
-                    <a:srgbClr val="ffffff"/>
-                  </a:solidFill>
-                </a:uFill>
-                <a:latin typeface="Arial"/>
-              </a:rPr>
-              <a:t>Sixth Outline Level</a:t>
-            </a:r>
-            <a:endParaRPr b="0" lang="en-US" sz="2000" spc="-1" strike="noStrike">
-              <a:solidFill>
-                <a:srgbClr val="000000"/>
-              </a:solidFill>
-              <a:uFill>
-                <a:solidFill>
-                  <a:srgbClr val="ffffff"/>
-                </a:solidFill>
-              </a:uFill>
-              <a:latin typeface="Arial"/>
-            </a:endParaRPr>
-          </a:p>
-          <a:p>
-            <a:pPr lvl="6" marL="3024000" indent="-216000">
-              <a:buClr>
-                <a:srgbClr val="000000"/>
-              </a:buClr>
-              <a:buSzPct val="45000"/>
-              <a:buFont typeface="Wingdings" charset="2"/>
-              <a:buChar char=""/>
-            </a:pPr>
-            <a:r>
-              <a:rPr b="0" lang="en-US" sz="2000" spc="-1" strike="noStrike">
-                <a:solidFill>
-                  <a:srgbClr val="000000"/>
-                </a:solidFill>
-                <a:uFill>
-                  <a:solidFill>
-                    <a:srgbClr val="ffffff"/>
-                  </a:solidFill>
-                </a:uFill>
-                <a:latin typeface="Arial"/>
-              </a:rPr>
-              <a:t>Seventh Outline Level</a:t>
-            </a:r>
-            <a:endParaRPr b="0" lang="en-US" sz="2000" spc="-1" strike="noStrike">
-              <a:solidFill>
-                <a:srgbClr val="000000"/>
-              </a:solidFill>
-              <a:uFill>
-                <a:solidFill>
-                  <a:srgbClr val="ffffff"/>
-                </a:solidFill>
-              </a:uFill>
-              <a:latin typeface="Arial"/>
-            </a:endParaRPr>
-          </a:p>
-        </p:txBody>
-      </p:sp>
-    </p:spTree>
-  </p:cSld>
-  <p:clrMap bg1="lt1" bg2="lt2" tx1="dk1" tx2="dk2" accent1="accent1" accent2="accent2" accent3="accent3" accent4="accent4" accent5="accent5" accent6="accent6" hlink="hlink" folHlink="folHlink"/>
-  <p:sldLayoutIdLst>
-    <p:sldLayoutId id="2147483662" r:id="rId3"/>
-    <p:sldLayoutId id="2147483663" r:id="rId4"/>
-    <p:sldLayoutId id="2147483664" r:id="rId5"/>
-    <p:sldLayoutId id="2147483665" r:id="rId6"/>
-    <p:sldLayoutId id="2147483666" r:id="rId7"/>
-    <p:sldLayoutId id="2147483667" r:id="rId8"/>
-    <p:sldLayoutId id="2147483668" r:id="rId9"/>
-    <p:sldLayoutId id="2147483669" r:id="rId10"/>
-    <p:sldLayoutId id="2147483670" r:id="rId11"/>
-    <p:sldLayoutId id="2147483671" r:id="rId12"/>
-    <p:sldLayoutId id="2147483672" r:id="rId13"/>
-    <p:sldLayoutId id="2147483673" r:id="rId14"/>
   </p:sldLayoutIdLst>
 </p:sldMaster>
 </file>
@@ -4618,14 +2266,14 @@
       </p:grpSpPr>
       <p:sp>
         <p:nvSpPr>
-          <p:cNvPr id="89" name="CustomShape 1"/>
+          <p:cNvPr id="41" name="CustomShape 1"/>
           <p:cNvSpPr/>
           <p:nvPr/>
         </p:nvSpPr>
         <p:spPr>
           <a:xfrm>
             <a:off x="0" y="2514600"/>
-            <a:ext cx="9143280" cy="912960"/>
+            <a:ext cx="9142560" cy="912240"/>
           </a:xfrm>
           <a:prstGeom prst="rect">
             <a:avLst/>
@@ -4680,14 +2328,14 @@
       </p:sp>
       <p:sp>
         <p:nvSpPr>
-          <p:cNvPr id="90" name="CustomShape 2"/>
+          <p:cNvPr id="42" name="CustomShape 2"/>
           <p:cNvSpPr/>
           <p:nvPr/>
         </p:nvSpPr>
         <p:spPr>
           <a:xfrm>
             <a:off x="0" y="3581280"/>
-            <a:ext cx="9143280" cy="943200"/>
+            <a:ext cx="9142560" cy="942480"/>
           </a:xfrm>
           <a:prstGeom prst="rect">
             <a:avLst/>
@@ -4775,14 +2423,14 @@
       </p:sp>
       <p:sp>
         <p:nvSpPr>
-          <p:cNvPr id="91" name="CustomShape 3"/>
+          <p:cNvPr id="43" name="CustomShape 3"/>
           <p:cNvSpPr/>
           <p:nvPr/>
         </p:nvSpPr>
         <p:spPr>
           <a:xfrm>
             <a:off x="533520" y="4551480"/>
-            <a:ext cx="9143280" cy="1805040"/>
+            <a:ext cx="9142560" cy="1804320"/>
           </a:xfrm>
           <a:prstGeom prst="rect">
             <a:avLst/>
@@ -4952,9 +2600,46 @@
           </a:p>
         </p:txBody>
       </p:sp>
+      <p:sp>
+        <p:nvSpPr>
+          <p:cNvPr id="44" name="CustomShape 4"/>
+          <p:cNvSpPr/>
+          <p:nvPr/>
+        </p:nvSpPr>
+        <p:spPr>
+          <a:xfrm>
+            <a:off x="8336160" y="6172200"/>
+            <a:ext cx="684360" cy="608040"/>
+          </a:xfrm>
+          <a:prstGeom prst="rect">
+            <a:avLst/>
+          </a:prstGeom>
+          <a:solidFill>
+            <a:schemeClr val="bg1"/>
+          </a:solidFill>
+          <a:ln>
+            <a:solidFill>
+              <a:schemeClr val="bg1"/>
+            </a:solidFill>
+            <a:round/>
+          </a:ln>
+        </p:spPr>
+        <p:style>
+          <a:lnRef idx="2">
+            <a:schemeClr val="dk1"/>
+          </a:lnRef>
+          <a:fillRef idx="1">
+            <a:schemeClr val="lt1"/>
+          </a:fillRef>
+          <a:effectRef idx="0">
+            <a:schemeClr val="dk1"/>
+          </a:effectRef>
+          <a:fontRef idx="minor"/>
+        </p:style>
+      </p:sp>
       <p:pic>
         <p:nvPicPr>
-          <p:cNvPr id="92" name="Picture 9" descr=""/>
+          <p:cNvPr id="45" name="" descr=""/>
           <p:cNvPicPr/>
           <p:nvPr/>
         </p:nvPicPr>
@@ -4964,8 +2649,8 @@
         </p:blipFill>
         <p:spPr>
           <a:xfrm>
-            <a:off x="7010280" y="0"/>
-            <a:ext cx="2133000" cy="959400"/>
+            <a:off x="0" y="0"/>
+            <a:ext cx="9142920" cy="6857280"/>
           </a:xfrm>
           <a:prstGeom prst="rect">
             <a:avLst/>
@@ -4975,16 +2660,39 @@
           </a:ln>
         </p:spPr>
       </p:pic>
-      <p:sp>
-        <p:nvSpPr>
-          <p:cNvPr id="93" name="CustomShape 4"/>
+      <p:pic>
+        <p:nvPicPr>
+          <p:cNvPr id="46" name="Picture 9" descr=""/>
+          <p:cNvPicPr/>
+          <p:nvPr/>
+        </p:nvPicPr>
+        <p:blipFill>
+          <a:blip r:embed="rId2"/>
+          <a:stretch/>
+        </p:blipFill>
+        <p:spPr>
+          <a:xfrm>
+            <a:off x="7010280" y="12960"/>
+            <a:ext cx="2132280" cy="958680"/>
+          </a:xfrm>
+          <a:prstGeom prst="rect">
+            <a:avLst/>
+          </a:prstGeom>
+          <a:ln>
+            <a:noFill/>
+          </a:ln>
+        </p:spPr>
+      </p:pic>
+      <p:sp>
+        <p:nvSpPr>
+          <p:cNvPr id="47" name="CustomShape 5"/>
           <p:cNvSpPr/>
           <p:nvPr/>
         </p:nvSpPr>
         <p:spPr>
           <a:xfrm>
-            <a:off x="7162920" y="919080"/>
-            <a:ext cx="182160" cy="182160"/>
+            <a:off x="7162920" y="932040"/>
+            <a:ext cx="181440" cy="181440"/>
           </a:xfrm>
           <a:prstGeom prst="star5">
             <a:avLst>
@@ -5020,14 +2728,14 @@
       </p:sp>
       <p:sp>
         <p:nvSpPr>
-          <p:cNvPr id="94" name="CustomShape 5"/>
+          <p:cNvPr id="48" name="CustomShape 6"/>
           <p:cNvSpPr/>
           <p:nvPr/>
         </p:nvSpPr>
         <p:spPr>
           <a:xfrm>
-            <a:off x="7467480" y="919080"/>
-            <a:ext cx="182160" cy="182160"/>
+            <a:off x="7467480" y="932040"/>
+            <a:ext cx="181440" cy="181440"/>
           </a:xfrm>
           <a:prstGeom prst="star5">
             <a:avLst>
@@ -5063,14 +2771,14 @@
       </p:sp>
       <p:sp>
         <p:nvSpPr>
-          <p:cNvPr id="95" name="CustomShape 6"/>
+          <p:cNvPr id="49" name="CustomShape 7"/>
           <p:cNvSpPr/>
           <p:nvPr/>
         </p:nvSpPr>
         <p:spPr>
           <a:xfrm>
-            <a:off x="7848720" y="919080"/>
-            <a:ext cx="182160" cy="182160"/>
+            <a:off x="7848720" y="932040"/>
+            <a:ext cx="181440" cy="181440"/>
           </a:xfrm>
           <a:prstGeom prst="star5">
             <a:avLst>
@@ -5106,14 +2814,14 @@
       </p:sp>
       <p:sp>
         <p:nvSpPr>
-          <p:cNvPr id="96" name="CustomShape 7"/>
+          <p:cNvPr id="50" name="CustomShape 8"/>
           <p:cNvSpPr/>
           <p:nvPr/>
         </p:nvSpPr>
         <p:spPr>
           <a:xfrm>
-            <a:off x="8153280" y="919080"/>
-            <a:ext cx="182160" cy="182160"/>
+            <a:off x="8153280" y="932040"/>
+            <a:ext cx="181440" cy="181440"/>
           </a:xfrm>
           <a:prstGeom prst="star5">
             <a:avLst>
@@ -5149,14 +2857,14 @@
       </p:sp>
       <p:sp>
         <p:nvSpPr>
-          <p:cNvPr id="97" name="CustomShape 8"/>
+          <p:cNvPr id="51" name="CustomShape 9"/>
           <p:cNvSpPr/>
           <p:nvPr/>
         </p:nvSpPr>
         <p:spPr>
           <a:xfrm>
-            <a:off x="8534520" y="919080"/>
-            <a:ext cx="182160" cy="182160"/>
+            <a:off x="8534520" y="932040"/>
+            <a:ext cx="181440" cy="181440"/>
           </a:xfrm>
           <a:prstGeom prst="star5">
             <a:avLst>
@@ -5192,14 +2900,14 @@
       </p:sp>
       <p:sp>
         <p:nvSpPr>
-          <p:cNvPr id="98" name="CustomShape 9"/>
+          <p:cNvPr id="52" name="CustomShape 10"/>
           <p:cNvSpPr/>
           <p:nvPr/>
         </p:nvSpPr>
         <p:spPr>
           <a:xfrm>
-            <a:off x="8839080" y="919080"/>
-            <a:ext cx="182160" cy="182160"/>
+            <a:off x="8839080" y="932040"/>
+            <a:ext cx="181440" cy="181440"/>
           </a:xfrm>
           <a:prstGeom prst="star5">
             <a:avLst>
@@ -5229,43 +2937,6 @@
           </a:fillRef>
           <a:effectRef idx="0">
             <a:schemeClr val="accent1"/>
-          </a:effectRef>
-          <a:fontRef idx="minor"/>
-        </p:style>
-      </p:sp>
-      <p:sp>
-        <p:nvSpPr>
-          <p:cNvPr id="99" name="CustomShape 10"/>
-          <p:cNvSpPr/>
-          <p:nvPr/>
-        </p:nvSpPr>
-        <p:spPr>
-          <a:xfrm>
-            <a:off x="8336160" y="6172200"/>
-            <a:ext cx="685080" cy="608760"/>
-          </a:xfrm>
-          <a:prstGeom prst="rect">
-            <a:avLst/>
-          </a:prstGeom>
-          <a:solidFill>
-            <a:schemeClr val="bg1"/>
-          </a:solidFill>
-          <a:ln>
-            <a:solidFill>
-              <a:schemeClr val="bg1"/>
-            </a:solidFill>
-            <a:round/>
-          </a:ln>
-        </p:spPr>
-        <p:style>
-          <a:lnRef idx="2">
-            <a:schemeClr val="dk1"/>
-          </a:lnRef>
-          <a:fillRef idx="1">
-            <a:schemeClr val="lt1"/>
-          </a:fillRef>
-          <a:effectRef idx="0">
-            <a:schemeClr val="dk1"/>
           </a:effectRef>
           <a:fontRef idx="minor"/>
         </p:style>
@@ -5746,227 +3417,4 @@
     </a:fmtScheme>
   </a:themeElements>
 </a:theme>
-</file>
-
-<file path=ppt/theme/theme3.xml><?xml version="1.0" encoding="utf-8"?>
-<a:theme xmlns:a="http://schemas.openxmlformats.org/drawingml/2006/main" name="Office Theme">
-  <a:themeElements>
-    <a:clrScheme name="Office">
-      <a:dk1>
-        <a:sysClr val="windowText" lastClr="000000"/>
-      </a:dk1>
-      <a:lt1>
-        <a:sysClr val="window" lastClr="FFFFFF"/>
-      </a:lt1>
-      <a:dk2>
-        <a:srgbClr val="1F497D"/>
-      </a:dk2>
-      <a:lt2>
-        <a:srgbClr val="EEECE1"/>
-      </a:lt2>
-      <a:accent1>
-        <a:srgbClr val="4F81BD"/>
-      </a:accent1>
-      <a:accent2>
-        <a:srgbClr val="C0504D"/>
-      </a:accent2>
-      <a:accent3>
-        <a:srgbClr val="9BBB59"/>
-      </a:accent3>
-      <a:accent4>
-        <a:srgbClr val="8064A2"/>
-      </a:accent4>
-      <a:accent5>
-        <a:srgbClr val="4BACC6"/>
-      </a:accent5>
-      <a:accent6>
-        <a:srgbClr val="F79646"/>
-      </a:accent6>
-      <a:hlink>
-        <a:srgbClr val="0000FF"/>
-      </a:hlink>
-      <a:folHlink>
-        <a:srgbClr val="800080"/>
-      </a:folHlink>
-    </a:clrScheme>
-    <a:fontScheme name="Office">
-      <a:majorFont>
-        <a:latin typeface="Arial"/>
-        <a:ea typeface="DejaVu Sans"/>
-        <a:cs typeface="DejaVu Sans"/>
-      </a:majorFont>
-      <a:minorFont>
-        <a:latin typeface="Arial"/>
-        <a:ea typeface="DejaVu Sans"/>
-        <a:cs typeface="DejaVu Sans"/>
-      </a:minorFont>
-    </a:fontScheme>
-    <a:fmtScheme name="Office">
-      <a:fillStyleLst>
-        <a:solidFill>
-          <a:schemeClr val="phClr"/>
-        </a:solidFill>
-        <a:gradFill rotWithShape="1">
-          <a:gsLst>
-            <a:gs pos="0">
-              <a:schemeClr val="phClr">
-                <a:tint val="50000"/>
-                <a:satMod val="300000"/>
-              </a:schemeClr>
-            </a:gs>
-            <a:gs pos="35000">
-              <a:schemeClr val="phClr">
-                <a:tint val="37000"/>
-                <a:satMod val="300000"/>
-              </a:schemeClr>
-            </a:gs>
-            <a:gs pos="100000">
-              <a:schemeClr val="phClr">
-                <a:tint val="15000"/>
-                <a:satMod val="350000"/>
-              </a:schemeClr>
-            </a:gs>
-          </a:gsLst>
-          <a:lin ang="16200000" scaled="1"/>
-        </a:gradFill>
-        <a:gradFill rotWithShape="1">
-          <a:gsLst>
-            <a:gs pos="0">
-              <a:schemeClr val="phClr">
-                <a:shade val="51000"/>
-                <a:satMod val="130000"/>
-              </a:schemeClr>
-            </a:gs>
-            <a:gs pos="80000">
-              <a:schemeClr val="phClr">
-                <a:shade val="93000"/>
-                <a:satMod val="130000"/>
-              </a:schemeClr>
-            </a:gs>
-            <a:gs pos="100000">
-              <a:schemeClr val="phClr">
-                <a:shade val="94000"/>
-                <a:satMod val="135000"/>
-              </a:schemeClr>
-            </a:gs>
-          </a:gsLst>
-          <a:lin ang="16200000" scaled="0"/>
-        </a:gradFill>
-      </a:fillStyleLst>
-      <a:lnStyleLst>
-        <a:ln w="9525" cap="flat" cmpd="sng" algn="ctr">
-          <a:solidFill>
-            <a:schemeClr val="phClr">
-              <a:shade val="95000"/>
-              <a:satMod val="105000"/>
-            </a:schemeClr>
-          </a:solidFill>
-          <a:prstDash val="solid"/>
-        </a:ln>
-        <a:ln w="25400" cap="flat" cmpd="sng" algn="ctr">
-          <a:solidFill>
-            <a:schemeClr val="phClr"/>
-          </a:solidFill>
-          <a:prstDash val="solid"/>
-        </a:ln>
-        <a:ln w="38100" cap="flat" cmpd="sng" algn="ctr">
-          <a:solidFill>
-            <a:schemeClr val="phClr"/>
-          </a:solidFill>
-          <a:prstDash val="solid"/>
-        </a:ln>
-      </a:lnStyleLst>
-      <a:effectStyleLst>
-        <a:effectStyle>
-          <a:effectLst>
-            <a:outerShdw blurRad="40000" dist="20000" dir="5400000" rotWithShape="0">
-              <a:srgbClr val="000000">
-                <a:alpha val="38000"/>
-              </a:srgbClr>
-            </a:outerShdw>
-          </a:effectLst>
-        </a:effectStyle>
-        <a:effectStyle>
-          <a:effectLst>
-            <a:outerShdw blurRad="40000" dist="23000" dir="5400000" rotWithShape="0">
-              <a:srgbClr val="000000">
-                <a:alpha val="35000"/>
-              </a:srgbClr>
-            </a:outerShdw>
-          </a:effectLst>
-        </a:effectStyle>
-        <a:effectStyle>
-          <a:effectLst>
-            <a:outerShdw blurRad="40000" dist="23000" dir="5400000" rotWithShape="0">
-              <a:srgbClr val="000000">
-                <a:alpha val="35000"/>
-              </a:srgbClr>
-            </a:outerShdw>
-          </a:effectLst>
-          <a:scene3d>
-            <a:camera prst="orthographicFront">
-              <a:rot lat="0" lon="0" rev="0"/>
-            </a:camera>
-            <a:lightRig rig="threePt" dir="t">
-              <a:rot lat="0" lon="0" rev="1200000"/>
-            </a:lightRig>
-          </a:scene3d>
-          <a:sp3d>
-            <a:bevelT w="63500" h="25400"/>
-          </a:sp3d>
-        </a:effectStyle>
-      </a:effectStyleLst>
-      <a:bgFillStyleLst>
-        <a:solidFill>
-          <a:schemeClr val="phClr"/>
-        </a:solidFill>
-        <a:gradFill rotWithShape="1">
-          <a:gsLst>
-            <a:gs pos="0">
-              <a:schemeClr val="phClr">
-                <a:tint val="40000"/>
-                <a:satMod val="350000"/>
-              </a:schemeClr>
-            </a:gs>
-            <a:gs pos="40000">
-              <a:schemeClr val="phClr">
-                <a:tint val="45000"/>
-                <a:shade val="99000"/>
-                <a:satMod val="350000"/>
-              </a:schemeClr>
-            </a:gs>
-            <a:gs pos="100000">
-              <a:schemeClr val="phClr">
-                <a:shade val="20000"/>
-                <a:satMod val="255000"/>
-              </a:schemeClr>
-            </a:gs>
-          </a:gsLst>
-          <a:path path="circle">
-            <a:fillToRect l="50000" t="-80000" r="50000" b="180000"/>
-          </a:path>
-        </a:gradFill>
-        <a:gradFill rotWithShape="1">
-          <a:gsLst>
-            <a:gs pos="0">
-              <a:schemeClr val="phClr">
-                <a:tint val="80000"/>
-                <a:satMod val="300000"/>
-              </a:schemeClr>
-            </a:gs>
-            <a:gs pos="100000">
-              <a:schemeClr val="phClr">
-                <a:shade val="30000"/>
-                <a:satMod val="200000"/>
-              </a:schemeClr>
-            </a:gs>
-          </a:gsLst>
-          <a:path path="circle">
-            <a:fillToRect l="50000" t="50000" r="50000" b="50000"/>
-          </a:path>
-        </a:gradFill>
-      </a:bgFillStyleLst>
-    </a:fmtScheme>
-  </a:themeElements>
-</a:theme>
 </file>